--- a/presentation/northwind_project_report.pptx
+++ b/presentation/northwind_project_report.pptx
@@ -7,8 +7,8 @@
   <p:sldIdLst>
     <p:sldId id="264" r:id="rId2"/>
     <p:sldId id="265" r:id="rId3"/>
-    <p:sldId id="262" r:id="rId4"/>
-    <p:sldId id="259" r:id="rId5"/>
+    <p:sldId id="259" r:id="rId4"/>
+    <p:sldId id="269" r:id="rId5"/>
     <p:sldId id="258" r:id="rId6"/>
     <p:sldId id="257" r:id="rId7"/>
     <p:sldId id="256" r:id="rId8"/>
@@ -123,8 +123,8 @@
           <p14:sldIdLst>
             <p14:sldId id="264"/>
             <p14:sldId id="265"/>
-            <p14:sldId id="262"/>
             <p14:sldId id="259"/>
+            <p14:sldId id="269"/>
             <p14:sldId id="258"/>
             <p14:sldId id="257"/>
             <p14:sldId id="256"/>
@@ -137,6 +137,9 @@
           </p14:sldIdLst>
         </p14:section>
       </p14:sectionLst>
+    </p:ext>
+    <p:ext uri="{EFAFB233-063F-42B5-8137-9DF3F51BA10A}">
+      <p15:sldGuideLst xmlns:p15="http://schemas.microsoft.com/office/powerpoint/2012/main"/>
     </p:ext>
   </p:extLst>
 </p:presentation>
@@ -281,7 +284,7 @@
           <a:p>
             <a:fld id="{5EE6149A-A527-441E-85E5-08B7F8133675}" type="datetimeFigureOut">
               <a:rPr lang="en-US" smtClean="0"/>
-              <a:t>7/13/2023</a:t>
+              <a:t>7/14/2023</a:t>
             </a:fld>
             <a:endParaRPr lang="en-US"/>
           </a:p>
@@ -380,6 +383,18 @@
   <p:clrMapOvr>
     <a:masterClrMapping/>
   </p:clrMapOvr>
+  <mc:AlternateContent xmlns:mc="http://schemas.openxmlformats.org/markup-compatibility/2006">
+    <mc:Choice xmlns:p159="http://schemas.microsoft.com/office/powerpoint/2015/09/main" Requires="p159">
+      <p:transition xmlns:p14="http://schemas.microsoft.com/office/powerpoint/2010/main" spd="slow" p14:dur="2000">
+        <p159:morph option="byObject"/>
+      </p:transition>
+    </mc:Choice>
+    <mc:Fallback>
+      <p:transition spd="slow">
+        <p:fade/>
+      </p:transition>
+    </mc:Fallback>
+  </mc:AlternateContent>
 </p:sldLayout>
 </file>
 
@@ -492,7 +507,7 @@
           <a:p>
             <a:fld id="{5EE6149A-A527-441E-85E5-08B7F8133675}" type="datetimeFigureOut">
               <a:rPr lang="en-US" smtClean="0"/>
-              <a:t>7/13/2023</a:t>
+              <a:t>7/14/2023</a:t>
             </a:fld>
             <a:endParaRPr lang="en-US"/>
           </a:p>
@@ -581,6 +596,18 @@
   <p:clrMapOvr>
     <a:masterClrMapping/>
   </p:clrMapOvr>
+  <mc:AlternateContent xmlns:mc="http://schemas.openxmlformats.org/markup-compatibility/2006">
+    <mc:Choice xmlns:p159="http://schemas.microsoft.com/office/powerpoint/2015/09/main" Requires="p159">
+      <p:transition xmlns:p14="http://schemas.microsoft.com/office/powerpoint/2010/main" spd="slow" p14:dur="2000">
+        <p159:morph option="byObject"/>
+      </p:transition>
+    </mc:Choice>
+    <mc:Fallback>
+      <p:transition spd="slow">
+        <p:fade/>
+      </p:transition>
+    </mc:Fallback>
+  </mc:AlternateContent>
 </p:sldLayout>
 </file>
 
@@ -707,7 +734,7 @@
           <a:p>
             <a:fld id="{5EE6149A-A527-441E-85E5-08B7F8133675}" type="datetimeFigureOut">
               <a:rPr lang="en-US" smtClean="0"/>
-              <a:t>7/13/2023</a:t>
+              <a:t>7/14/2023</a:t>
             </a:fld>
             <a:endParaRPr lang="en-US"/>
           </a:p>
@@ -796,6 +823,18 @@
   <p:clrMapOvr>
     <a:masterClrMapping/>
   </p:clrMapOvr>
+  <mc:AlternateContent xmlns:mc="http://schemas.openxmlformats.org/markup-compatibility/2006">
+    <mc:Choice xmlns:p159="http://schemas.microsoft.com/office/powerpoint/2015/09/main" Requires="p159">
+      <p:transition xmlns:p14="http://schemas.microsoft.com/office/powerpoint/2010/main" spd="slow" p14:dur="2000">
+        <p159:morph option="byObject"/>
+      </p:transition>
+    </mc:Choice>
+    <mc:Fallback>
+      <p:transition spd="slow">
+        <p:fade/>
+      </p:transition>
+    </mc:Fallback>
+  </mc:AlternateContent>
 </p:sldLayout>
 </file>
 
@@ -908,7 +947,7 @@
           <a:p>
             <a:fld id="{5EE6149A-A527-441E-85E5-08B7F8133675}" type="datetimeFigureOut">
               <a:rPr lang="en-US" smtClean="0"/>
-              <a:t>7/13/2023</a:t>
+              <a:t>7/14/2023</a:t>
             </a:fld>
             <a:endParaRPr lang="en-US"/>
           </a:p>
@@ -997,6 +1036,18 @@
   <p:clrMapOvr>
     <a:masterClrMapping/>
   </p:clrMapOvr>
+  <mc:AlternateContent xmlns:mc="http://schemas.openxmlformats.org/markup-compatibility/2006">
+    <mc:Choice xmlns:p159="http://schemas.microsoft.com/office/powerpoint/2015/09/main" Requires="p159">
+      <p:transition xmlns:p14="http://schemas.microsoft.com/office/powerpoint/2010/main" spd="slow" p14:dur="2000">
+        <p159:morph option="byObject"/>
+      </p:transition>
+    </mc:Choice>
+    <mc:Fallback>
+      <p:transition spd="slow">
+        <p:fade/>
+      </p:transition>
+    </mc:Fallback>
+  </mc:AlternateContent>
 </p:sldLayout>
 </file>
 
@@ -1187,7 +1238,7 @@
           <a:p>
             <a:fld id="{5EE6149A-A527-441E-85E5-08B7F8133675}" type="datetimeFigureOut">
               <a:rPr lang="en-US" smtClean="0"/>
-              <a:t>7/13/2023</a:t>
+              <a:t>7/14/2023</a:t>
             </a:fld>
             <a:endParaRPr lang="en-US"/>
           </a:p>
@@ -1276,6 +1327,18 @@
   <p:clrMapOvr>
     <a:masterClrMapping/>
   </p:clrMapOvr>
+  <mc:AlternateContent xmlns:mc="http://schemas.openxmlformats.org/markup-compatibility/2006">
+    <mc:Choice xmlns:p159="http://schemas.microsoft.com/office/powerpoint/2015/09/main" Requires="p159">
+      <p:transition xmlns:p14="http://schemas.microsoft.com/office/powerpoint/2010/main" spd="slow" p14:dur="2000">
+        <p159:morph option="byObject"/>
+      </p:transition>
+    </mc:Choice>
+    <mc:Fallback>
+      <p:transition spd="slow">
+        <p:fade/>
+      </p:transition>
+    </mc:Fallback>
+  </mc:AlternateContent>
 </p:sldLayout>
 </file>
 
@@ -1455,7 +1518,7 @@
           <a:p>
             <a:fld id="{5EE6149A-A527-441E-85E5-08B7F8133675}" type="datetimeFigureOut">
               <a:rPr lang="en-US" smtClean="0"/>
-              <a:t>7/13/2023</a:t>
+              <a:t>7/14/2023</a:t>
             </a:fld>
             <a:endParaRPr lang="en-US"/>
           </a:p>
@@ -1544,6 +1607,18 @@
   <p:clrMapOvr>
     <a:masterClrMapping/>
   </p:clrMapOvr>
+  <mc:AlternateContent xmlns:mc="http://schemas.openxmlformats.org/markup-compatibility/2006">
+    <mc:Choice xmlns:p159="http://schemas.microsoft.com/office/powerpoint/2015/09/main" Requires="p159">
+      <p:transition xmlns:p14="http://schemas.microsoft.com/office/powerpoint/2010/main" spd="slow" p14:dur="2000">
+        <p159:morph option="byObject"/>
+      </p:transition>
+    </mc:Choice>
+    <mc:Fallback>
+      <p:transition spd="slow">
+        <p:fade/>
+      </p:transition>
+    </mc:Fallback>
+  </mc:AlternateContent>
 </p:sldLayout>
 </file>
 
@@ -1871,7 +1946,7 @@
           <a:p>
             <a:fld id="{5EE6149A-A527-441E-85E5-08B7F8133675}" type="datetimeFigureOut">
               <a:rPr lang="en-US" smtClean="0"/>
-              <a:t>7/13/2023</a:t>
+              <a:t>7/14/2023</a:t>
             </a:fld>
             <a:endParaRPr lang="en-US"/>
           </a:p>
@@ -1960,6 +2035,18 @@
   <p:clrMapOvr>
     <a:masterClrMapping/>
   </p:clrMapOvr>
+  <mc:AlternateContent xmlns:mc="http://schemas.openxmlformats.org/markup-compatibility/2006">
+    <mc:Choice xmlns:p159="http://schemas.microsoft.com/office/powerpoint/2015/09/main" Requires="p159">
+      <p:transition xmlns:p14="http://schemas.microsoft.com/office/powerpoint/2010/main" spd="slow" p14:dur="2000">
+        <p159:morph option="byObject"/>
+      </p:transition>
+    </mc:Choice>
+    <mc:Fallback>
+      <p:transition spd="slow">
+        <p:fade/>
+      </p:transition>
+    </mc:Fallback>
+  </mc:AlternateContent>
 </p:sldLayout>
 </file>
 
@@ -2020,7 +2107,7 @@
           <a:p>
             <a:fld id="{5EE6149A-A527-441E-85E5-08B7F8133675}" type="datetimeFigureOut">
               <a:rPr lang="en-US" smtClean="0"/>
-              <a:t>7/13/2023</a:t>
+              <a:t>7/14/2023</a:t>
             </a:fld>
             <a:endParaRPr lang="en-US"/>
           </a:p>
@@ -2109,6 +2196,18 @@
   <p:clrMapOvr>
     <a:masterClrMapping/>
   </p:clrMapOvr>
+  <mc:AlternateContent xmlns:mc="http://schemas.openxmlformats.org/markup-compatibility/2006">
+    <mc:Choice xmlns:p159="http://schemas.microsoft.com/office/powerpoint/2015/09/main" Requires="p159">
+      <p:transition xmlns:p14="http://schemas.microsoft.com/office/powerpoint/2010/main" spd="slow" p14:dur="2000">
+        <p159:morph option="byObject"/>
+      </p:transition>
+    </mc:Choice>
+    <mc:Fallback>
+      <p:transition spd="slow">
+        <p:fade/>
+      </p:transition>
+    </mc:Fallback>
+  </mc:AlternateContent>
 </p:sldLayout>
 </file>
 
@@ -2146,7 +2245,7 @@
           <a:p>
             <a:fld id="{5EE6149A-A527-441E-85E5-08B7F8133675}" type="datetimeFigureOut">
               <a:rPr lang="en-US" smtClean="0"/>
-              <a:t>7/13/2023</a:t>
+              <a:t>7/14/2023</a:t>
             </a:fld>
             <a:endParaRPr lang="en-US"/>
           </a:p>
@@ -2204,6 +2303,18 @@
   <p:clrMapOvr>
     <a:masterClrMapping/>
   </p:clrMapOvr>
+  <mc:AlternateContent xmlns:mc="http://schemas.openxmlformats.org/markup-compatibility/2006">
+    <mc:Choice xmlns:p159="http://schemas.microsoft.com/office/powerpoint/2015/09/main" Requires="p159">
+      <p:transition xmlns:p14="http://schemas.microsoft.com/office/powerpoint/2010/main" spd="slow" p14:dur="2000">
+        <p159:morph option="byObject"/>
+      </p:transition>
+    </mc:Choice>
+    <mc:Fallback>
+      <p:transition spd="slow">
+        <p:fade/>
+      </p:transition>
+    </mc:Fallback>
+  </mc:AlternateContent>
 </p:sldLayout>
 </file>
 
@@ -2397,7 +2508,7 @@
           <a:p>
             <a:fld id="{5EE6149A-A527-441E-85E5-08B7F8133675}" type="datetimeFigureOut">
               <a:rPr lang="en-US" smtClean="0"/>
-              <a:t>7/13/2023</a:t>
+              <a:t>7/14/2023</a:t>
             </a:fld>
             <a:endParaRPr lang="en-US"/>
           </a:p>
@@ -2486,6 +2597,18 @@
   <p:clrMapOvr>
     <a:masterClrMapping/>
   </p:clrMapOvr>
+  <mc:AlternateContent xmlns:mc="http://schemas.openxmlformats.org/markup-compatibility/2006">
+    <mc:Choice xmlns:p159="http://schemas.microsoft.com/office/powerpoint/2015/09/main" Requires="p159">
+      <p:transition xmlns:p14="http://schemas.microsoft.com/office/powerpoint/2010/main" spd="slow" p14:dur="2000">
+        <p159:morph option="byObject"/>
+      </p:transition>
+    </mc:Choice>
+    <mc:Fallback>
+      <p:transition spd="slow">
+        <p:fade/>
+      </p:transition>
+    </mc:Fallback>
+  </mc:AlternateContent>
 </p:sldLayout>
 </file>
 
@@ -2842,7 +2965,7 @@
           <a:p>
             <a:fld id="{5EE6149A-A527-441E-85E5-08B7F8133675}" type="datetimeFigureOut">
               <a:rPr lang="en-US" smtClean="0"/>
-              <a:t>7/13/2023</a:t>
+              <a:t>7/14/2023</a:t>
             </a:fld>
             <a:endParaRPr lang="en-US"/>
           </a:p>
@@ -2936,6 +3059,18 @@
   <p:clrMapOvr>
     <a:masterClrMapping/>
   </p:clrMapOvr>
+  <mc:AlternateContent xmlns:mc="http://schemas.openxmlformats.org/markup-compatibility/2006">
+    <mc:Choice xmlns:p159="http://schemas.microsoft.com/office/powerpoint/2015/09/main" Requires="p159">
+      <p:transition xmlns:p14="http://schemas.microsoft.com/office/powerpoint/2010/main" spd="slow" p14:dur="2000">
+        <p159:morph option="byObject"/>
+      </p:transition>
+    </mc:Choice>
+    <mc:Fallback>
+      <p:transition spd="slow">
+        <p:fade/>
+      </p:transition>
+    </mc:Fallback>
+  </mc:AlternateContent>
 </p:sldLayout>
 </file>
 
@@ -3169,7 +3304,7 @@
           <a:p>
             <a:fld id="{5EE6149A-A527-441E-85E5-08B7F8133675}" type="datetimeFigureOut">
               <a:rPr lang="en-US" smtClean="0"/>
-              <a:t>7/13/2023</a:t>
+              <a:t>7/14/2023</a:t>
             </a:fld>
             <a:endParaRPr lang="en-US"/>
           </a:p>
@@ -3309,6 +3444,18 @@
     <p:sldLayoutId id="2147483771" r:id="rId10"/>
     <p:sldLayoutId id="2147483772" r:id="rId11"/>
   </p:sldLayoutIdLst>
+  <mc:AlternateContent xmlns:mc="http://schemas.openxmlformats.org/markup-compatibility/2006">
+    <mc:Choice xmlns:p159="http://schemas.microsoft.com/office/powerpoint/2015/09/main" Requires="p159">
+      <p:transition xmlns:p14="http://schemas.microsoft.com/office/powerpoint/2010/main" spd="slow" p14:dur="2000">
+        <p159:morph option="byObject"/>
+      </p:transition>
+    </mc:Choice>
+    <mc:Fallback>
+      <p:transition spd="slow">
+        <p:fade/>
+      </p:transition>
+    </mc:Fallback>
+  </mc:AlternateContent>
   <p:txStyles>
     <p:titleStyle>
       <a:lvl1pPr algn="l" defTabSz="914400" rtl="0" eaLnBrk="1" latinLnBrk="0" hangingPunct="1">
@@ -3806,6 +3953,18 @@
   <p:clrMapOvr>
     <a:masterClrMapping/>
   </p:clrMapOvr>
+  <mc:AlternateContent xmlns:mc="http://schemas.openxmlformats.org/markup-compatibility/2006">
+    <mc:Choice xmlns:p159="http://schemas.microsoft.com/office/powerpoint/2015/09/main" Requires="p159">
+      <p:transition xmlns:p14="http://schemas.microsoft.com/office/powerpoint/2010/main" spd="slow" p14:dur="2000">
+        <p159:morph option="byObject"/>
+      </p:transition>
+    </mc:Choice>
+    <mc:Fallback>
+      <p:transition spd="slow">
+        <p:fade/>
+      </p:transition>
+    </mc:Fallback>
+  </mc:AlternateContent>
 </p:sld>
 </file>
 
@@ -4052,31 +4211,6 @@
           </a:p>
         </p:txBody>
       </p:sp>
-      <p:sp>
-        <p:nvSpPr>
-          <p:cNvPr id="9" name="Content Placeholder 8">
-            <a:extLst>
-              <a:ext uri="{FF2B5EF4-FFF2-40B4-BE49-F238E27FC236}">
-                <a16:creationId xmlns:a16="http://schemas.microsoft.com/office/drawing/2014/main" id="{FDE0283F-B90B-4ED5-BEBF-27C5AC942D84}"/>
-              </a:ext>
-            </a:extLst>
-          </p:cNvPr>
-          <p:cNvSpPr>
-            <a:spLocks noGrp="1"/>
-          </p:cNvSpPr>
-          <p:nvPr>
-            <p:ph idx="1"/>
-          </p:nvPr>
-        </p:nvSpPr>
-        <p:spPr/>
-        <p:txBody>
-          <a:bodyPr/>
-          <a:lstStyle/>
-          <a:p>
-            <a:endParaRPr lang="en-US"/>
-          </a:p>
-        </p:txBody>
-      </p:sp>
     </p:spTree>
     <p:extLst>
       <p:ext uri="{BB962C8B-B14F-4D97-AF65-F5344CB8AC3E}">
@@ -4087,6 +4221,623 @@
   <p:clrMapOvr>
     <a:masterClrMapping/>
   </p:clrMapOvr>
+  <mc:AlternateContent xmlns:mc="http://schemas.openxmlformats.org/markup-compatibility/2006">
+    <mc:Choice xmlns:p159="http://schemas.microsoft.com/office/powerpoint/2015/09/main" Requires="p159">
+      <p:transition xmlns:p14="http://schemas.microsoft.com/office/powerpoint/2010/main" spd="slow" p14:dur="2000">
+        <p159:morph option="byObject"/>
+      </p:transition>
+    </mc:Choice>
+    <mc:Fallback>
+      <p:transition spd="slow">
+        <p:fade/>
+      </p:transition>
+    </mc:Fallback>
+  </mc:AlternateContent>
+  <p:timing>
+    <p:tnLst>
+      <p:par>
+        <p:cTn id="1" dur="indefinite" restart="never" nodeType="tmRoot">
+          <p:childTnLst>
+            <p:seq concurrent="1" nextAc="seek">
+              <p:cTn id="2" dur="indefinite" nodeType="mainSeq">
+                <p:childTnLst>
+                  <p:par>
+                    <p:cTn id="3" fill="hold">
+                      <p:stCondLst>
+                        <p:cond delay="indefinite"/>
+                      </p:stCondLst>
+                      <p:childTnLst>
+                        <p:par>
+                          <p:cTn id="4" fill="hold">
+                            <p:stCondLst>
+                              <p:cond delay="0"/>
+                            </p:stCondLst>
+                            <p:childTnLst>
+                              <p:par>
+                                <p:cTn id="5" presetID="42" presetClass="entr" presetSubtype="0" fill="hold" nodeType="clickEffect">
+                                  <p:stCondLst>
+                                    <p:cond delay="0"/>
+                                  </p:stCondLst>
+                                  <p:childTnLst>
+                                    <p:set>
+                                      <p:cBhvr>
+                                        <p:cTn id="6" dur="1" fill="hold">
+                                          <p:stCondLst>
+                                            <p:cond delay="0"/>
+                                          </p:stCondLst>
+                                        </p:cTn>
+                                        <p:tgtEl>
+                                          <p:spTgt spid="7">
+                                            <p:txEl>
+                                              <p:pRg st="0" end="0"/>
+                                            </p:txEl>
+                                          </p:spTgt>
+                                        </p:tgtEl>
+                                        <p:attrNameLst>
+                                          <p:attrName>style.visibility</p:attrName>
+                                        </p:attrNameLst>
+                                      </p:cBhvr>
+                                      <p:to>
+                                        <p:strVal val="visible"/>
+                                      </p:to>
+                                    </p:set>
+                                    <p:animEffect transition="in" filter="fade">
+                                      <p:cBhvr>
+                                        <p:cTn id="7" dur="1000"/>
+                                        <p:tgtEl>
+                                          <p:spTgt spid="7">
+                                            <p:txEl>
+                                              <p:pRg st="0" end="0"/>
+                                            </p:txEl>
+                                          </p:spTgt>
+                                        </p:tgtEl>
+                                      </p:cBhvr>
+                                    </p:animEffect>
+                                    <p:anim calcmode="lin" valueType="num">
+                                      <p:cBhvr>
+                                        <p:cTn id="8" dur="1000" fill="hold"/>
+                                        <p:tgtEl>
+                                          <p:spTgt spid="7">
+                                            <p:txEl>
+                                              <p:pRg st="0" end="0"/>
+                                            </p:txEl>
+                                          </p:spTgt>
+                                        </p:tgtEl>
+                                        <p:attrNameLst>
+                                          <p:attrName>ppt_x</p:attrName>
+                                        </p:attrNameLst>
+                                      </p:cBhvr>
+                                      <p:tavLst>
+                                        <p:tav tm="0">
+                                          <p:val>
+                                            <p:strVal val="#ppt_x"/>
+                                          </p:val>
+                                        </p:tav>
+                                        <p:tav tm="100000">
+                                          <p:val>
+                                            <p:strVal val="#ppt_x"/>
+                                          </p:val>
+                                        </p:tav>
+                                      </p:tavLst>
+                                    </p:anim>
+                                    <p:anim calcmode="lin" valueType="num">
+                                      <p:cBhvr>
+                                        <p:cTn id="9" dur="1000" fill="hold"/>
+                                        <p:tgtEl>
+                                          <p:spTgt spid="7">
+                                            <p:txEl>
+                                              <p:pRg st="0" end="0"/>
+                                            </p:txEl>
+                                          </p:spTgt>
+                                        </p:tgtEl>
+                                        <p:attrNameLst>
+                                          <p:attrName>ppt_y</p:attrName>
+                                        </p:attrNameLst>
+                                      </p:cBhvr>
+                                      <p:tavLst>
+                                        <p:tav tm="0">
+                                          <p:val>
+                                            <p:strVal val="#ppt_y+.1"/>
+                                          </p:val>
+                                        </p:tav>
+                                        <p:tav tm="100000">
+                                          <p:val>
+                                            <p:strVal val="#ppt_y"/>
+                                          </p:val>
+                                        </p:tav>
+                                      </p:tavLst>
+                                    </p:anim>
+                                  </p:childTnLst>
+                                </p:cTn>
+                              </p:par>
+                            </p:childTnLst>
+                          </p:cTn>
+                        </p:par>
+                      </p:childTnLst>
+                    </p:cTn>
+                  </p:par>
+                  <p:par>
+                    <p:cTn id="10" fill="hold">
+                      <p:stCondLst>
+                        <p:cond delay="indefinite"/>
+                      </p:stCondLst>
+                      <p:childTnLst>
+                        <p:par>
+                          <p:cTn id="11" fill="hold">
+                            <p:stCondLst>
+                              <p:cond delay="0"/>
+                            </p:stCondLst>
+                            <p:childTnLst>
+                              <p:par>
+                                <p:cTn id="12" presetID="42" presetClass="entr" presetSubtype="0" fill="hold" nodeType="clickEffect">
+                                  <p:stCondLst>
+                                    <p:cond delay="0"/>
+                                  </p:stCondLst>
+                                  <p:childTnLst>
+                                    <p:set>
+                                      <p:cBhvr>
+                                        <p:cTn id="13" dur="1" fill="hold">
+                                          <p:stCondLst>
+                                            <p:cond delay="0"/>
+                                          </p:stCondLst>
+                                        </p:cTn>
+                                        <p:tgtEl>
+                                          <p:spTgt spid="7">
+                                            <p:txEl>
+                                              <p:pRg st="2" end="2"/>
+                                            </p:txEl>
+                                          </p:spTgt>
+                                        </p:tgtEl>
+                                        <p:attrNameLst>
+                                          <p:attrName>style.visibility</p:attrName>
+                                        </p:attrNameLst>
+                                      </p:cBhvr>
+                                      <p:to>
+                                        <p:strVal val="visible"/>
+                                      </p:to>
+                                    </p:set>
+                                    <p:animEffect transition="in" filter="fade">
+                                      <p:cBhvr>
+                                        <p:cTn id="14" dur="1000"/>
+                                        <p:tgtEl>
+                                          <p:spTgt spid="7">
+                                            <p:txEl>
+                                              <p:pRg st="2" end="2"/>
+                                            </p:txEl>
+                                          </p:spTgt>
+                                        </p:tgtEl>
+                                      </p:cBhvr>
+                                    </p:animEffect>
+                                    <p:anim calcmode="lin" valueType="num">
+                                      <p:cBhvr>
+                                        <p:cTn id="15" dur="1000" fill="hold"/>
+                                        <p:tgtEl>
+                                          <p:spTgt spid="7">
+                                            <p:txEl>
+                                              <p:pRg st="2" end="2"/>
+                                            </p:txEl>
+                                          </p:spTgt>
+                                        </p:tgtEl>
+                                        <p:attrNameLst>
+                                          <p:attrName>ppt_x</p:attrName>
+                                        </p:attrNameLst>
+                                      </p:cBhvr>
+                                      <p:tavLst>
+                                        <p:tav tm="0">
+                                          <p:val>
+                                            <p:strVal val="#ppt_x"/>
+                                          </p:val>
+                                        </p:tav>
+                                        <p:tav tm="100000">
+                                          <p:val>
+                                            <p:strVal val="#ppt_x"/>
+                                          </p:val>
+                                        </p:tav>
+                                      </p:tavLst>
+                                    </p:anim>
+                                    <p:anim calcmode="lin" valueType="num">
+                                      <p:cBhvr>
+                                        <p:cTn id="16" dur="1000" fill="hold"/>
+                                        <p:tgtEl>
+                                          <p:spTgt spid="7">
+                                            <p:txEl>
+                                              <p:pRg st="2" end="2"/>
+                                            </p:txEl>
+                                          </p:spTgt>
+                                        </p:tgtEl>
+                                        <p:attrNameLst>
+                                          <p:attrName>ppt_y</p:attrName>
+                                        </p:attrNameLst>
+                                      </p:cBhvr>
+                                      <p:tavLst>
+                                        <p:tav tm="0">
+                                          <p:val>
+                                            <p:strVal val="#ppt_y+.1"/>
+                                          </p:val>
+                                        </p:tav>
+                                        <p:tav tm="100000">
+                                          <p:val>
+                                            <p:strVal val="#ppt_y"/>
+                                          </p:val>
+                                        </p:tav>
+                                      </p:tavLst>
+                                    </p:anim>
+                                  </p:childTnLst>
+                                </p:cTn>
+                              </p:par>
+                            </p:childTnLst>
+                          </p:cTn>
+                        </p:par>
+                      </p:childTnLst>
+                    </p:cTn>
+                  </p:par>
+                  <p:par>
+                    <p:cTn id="17" fill="hold">
+                      <p:stCondLst>
+                        <p:cond delay="indefinite"/>
+                      </p:stCondLst>
+                      <p:childTnLst>
+                        <p:par>
+                          <p:cTn id="18" fill="hold">
+                            <p:stCondLst>
+                              <p:cond delay="0"/>
+                            </p:stCondLst>
+                            <p:childTnLst>
+                              <p:par>
+                                <p:cTn id="19" presetID="42" presetClass="entr" presetSubtype="0" fill="hold" nodeType="clickEffect">
+                                  <p:stCondLst>
+                                    <p:cond delay="0"/>
+                                  </p:stCondLst>
+                                  <p:childTnLst>
+                                    <p:set>
+                                      <p:cBhvr>
+                                        <p:cTn id="20" dur="1" fill="hold">
+                                          <p:stCondLst>
+                                            <p:cond delay="0"/>
+                                          </p:stCondLst>
+                                        </p:cTn>
+                                        <p:tgtEl>
+                                          <p:spTgt spid="7">
+                                            <p:txEl>
+                                              <p:pRg st="4" end="4"/>
+                                            </p:txEl>
+                                          </p:spTgt>
+                                        </p:tgtEl>
+                                        <p:attrNameLst>
+                                          <p:attrName>style.visibility</p:attrName>
+                                        </p:attrNameLst>
+                                      </p:cBhvr>
+                                      <p:to>
+                                        <p:strVal val="visible"/>
+                                      </p:to>
+                                    </p:set>
+                                    <p:animEffect transition="in" filter="fade">
+                                      <p:cBhvr>
+                                        <p:cTn id="21" dur="1000"/>
+                                        <p:tgtEl>
+                                          <p:spTgt spid="7">
+                                            <p:txEl>
+                                              <p:pRg st="4" end="4"/>
+                                            </p:txEl>
+                                          </p:spTgt>
+                                        </p:tgtEl>
+                                      </p:cBhvr>
+                                    </p:animEffect>
+                                    <p:anim calcmode="lin" valueType="num">
+                                      <p:cBhvr>
+                                        <p:cTn id="22" dur="1000" fill="hold"/>
+                                        <p:tgtEl>
+                                          <p:spTgt spid="7">
+                                            <p:txEl>
+                                              <p:pRg st="4" end="4"/>
+                                            </p:txEl>
+                                          </p:spTgt>
+                                        </p:tgtEl>
+                                        <p:attrNameLst>
+                                          <p:attrName>ppt_x</p:attrName>
+                                        </p:attrNameLst>
+                                      </p:cBhvr>
+                                      <p:tavLst>
+                                        <p:tav tm="0">
+                                          <p:val>
+                                            <p:strVal val="#ppt_x"/>
+                                          </p:val>
+                                        </p:tav>
+                                        <p:tav tm="100000">
+                                          <p:val>
+                                            <p:strVal val="#ppt_x"/>
+                                          </p:val>
+                                        </p:tav>
+                                      </p:tavLst>
+                                    </p:anim>
+                                    <p:anim calcmode="lin" valueType="num">
+                                      <p:cBhvr>
+                                        <p:cTn id="23" dur="1000" fill="hold"/>
+                                        <p:tgtEl>
+                                          <p:spTgt spid="7">
+                                            <p:txEl>
+                                              <p:pRg st="4" end="4"/>
+                                            </p:txEl>
+                                          </p:spTgt>
+                                        </p:tgtEl>
+                                        <p:attrNameLst>
+                                          <p:attrName>ppt_y</p:attrName>
+                                        </p:attrNameLst>
+                                      </p:cBhvr>
+                                      <p:tavLst>
+                                        <p:tav tm="0">
+                                          <p:val>
+                                            <p:strVal val="#ppt_y+.1"/>
+                                          </p:val>
+                                        </p:tav>
+                                        <p:tav tm="100000">
+                                          <p:val>
+                                            <p:strVal val="#ppt_y"/>
+                                          </p:val>
+                                        </p:tav>
+                                      </p:tavLst>
+                                    </p:anim>
+                                  </p:childTnLst>
+                                </p:cTn>
+                              </p:par>
+                            </p:childTnLst>
+                          </p:cTn>
+                        </p:par>
+                      </p:childTnLst>
+                    </p:cTn>
+                  </p:par>
+                  <p:par>
+                    <p:cTn id="24" fill="hold">
+                      <p:stCondLst>
+                        <p:cond delay="indefinite"/>
+                      </p:stCondLst>
+                      <p:childTnLst>
+                        <p:par>
+                          <p:cTn id="25" fill="hold">
+                            <p:stCondLst>
+                              <p:cond delay="0"/>
+                            </p:stCondLst>
+                            <p:childTnLst>
+                              <p:par>
+                                <p:cTn id="26" presetID="42" presetClass="entr" presetSubtype="0" fill="hold" nodeType="clickEffect">
+                                  <p:stCondLst>
+                                    <p:cond delay="0"/>
+                                  </p:stCondLst>
+                                  <p:childTnLst>
+                                    <p:set>
+                                      <p:cBhvr>
+                                        <p:cTn id="27" dur="1" fill="hold">
+                                          <p:stCondLst>
+                                            <p:cond delay="0"/>
+                                          </p:stCondLst>
+                                        </p:cTn>
+                                        <p:tgtEl>
+                                          <p:spTgt spid="7">
+                                            <p:txEl>
+                                              <p:pRg st="6" end="6"/>
+                                            </p:txEl>
+                                          </p:spTgt>
+                                        </p:tgtEl>
+                                        <p:attrNameLst>
+                                          <p:attrName>style.visibility</p:attrName>
+                                        </p:attrNameLst>
+                                      </p:cBhvr>
+                                      <p:to>
+                                        <p:strVal val="visible"/>
+                                      </p:to>
+                                    </p:set>
+                                    <p:animEffect transition="in" filter="fade">
+                                      <p:cBhvr>
+                                        <p:cTn id="28" dur="1000"/>
+                                        <p:tgtEl>
+                                          <p:spTgt spid="7">
+                                            <p:txEl>
+                                              <p:pRg st="6" end="6"/>
+                                            </p:txEl>
+                                          </p:spTgt>
+                                        </p:tgtEl>
+                                      </p:cBhvr>
+                                    </p:animEffect>
+                                    <p:anim calcmode="lin" valueType="num">
+                                      <p:cBhvr>
+                                        <p:cTn id="29" dur="1000" fill="hold"/>
+                                        <p:tgtEl>
+                                          <p:spTgt spid="7">
+                                            <p:txEl>
+                                              <p:pRg st="6" end="6"/>
+                                            </p:txEl>
+                                          </p:spTgt>
+                                        </p:tgtEl>
+                                        <p:attrNameLst>
+                                          <p:attrName>ppt_x</p:attrName>
+                                        </p:attrNameLst>
+                                      </p:cBhvr>
+                                      <p:tavLst>
+                                        <p:tav tm="0">
+                                          <p:val>
+                                            <p:strVal val="#ppt_x"/>
+                                          </p:val>
+                                        </p:tav>
+                                        <p:tav tm="100000">
+                                          <p:val>
+                                            <p:strVal val="#ppt_x"/>
+                                          </p:val>
+                                        </p:tav>
+                                      </p:tavLst>
+                                    </p:anim>
+                                    <p:anim calcmode="lin" valueType="num">
+                                      <p:cBhvr>
+                                        <p:cTn id="30" dur="1000" fill="hold"/>
+                                        <p:tgtEl>
+                                          <p:spTgt spid="7">
+                                            <p:txEl>
+                                              <p:pRg st="6" end="6"/>
+                                            </p:txEl>
+                                          </p:spTgt>
+                                        </p:tgtEl>
+                                        <p:attrNameLst>
+                                          <p:attrName>ppt_y</p:attrName>
+                                        </p:attrNameLst>
+                                      </p:cBhvr>
+                                      <p:tavLst>
+                                        <p:tav tm="0">
+                                          <p:val>
+                                            <p:strVal val="#ppt_y+.1"/>
+                                          </p:val>
+                                        </p:tav>
+                                        <p:tav tm="100000">
+                                          <p:val>
+                                            <p:strVal val="#ppt_y"/>
+                                          </p:val>
+                                        </p:tav>
+                                      </p:tavLst>
+                                    </p:anim>
+                                  </p:childTnLst>
+                                </p:cTn>
+                              </p:par>
+                            </p:childTnLst>
+                          </p:cTn>
+                        </p:par>
+                      </p:childTnLst>
+                    </p:cTn>
+                  </p:par>
+                  <p:par>
+                    <p:cTn id="31" fill="hold">
+                      <p:stCondLst>
+                        <p:cond delay="indefinite"/>
+                      </p:stCondLst>
+                      <p:childTnLst>
+                        <p:par>
+                          <p:cTn id="32" fill="hold">
+                            <p:stCondLst>
+                              <p:cond delay="0"/>
+                            </p:stCondLst>
+                            <p:childTnLst>
+                              <p:par>
+                                <p:cTn id="33" presetID="42" presetClass="entr" presetSubtype="0" fill="hold" nodeType="clickEffect">
+                                  <p:stCondLst>
+                                    <p:cond delay="0"/>
+                                  </p:stCondLst>
+                                  <p:childTnLst>
+                                    <p:set>
+                                      <p:cBhvr>
+                                        <p:cTn id="34" dur="1" fill="hold">
+                                          <p:stCondLst>
+                                            <p:cond delay="0"/>
+                                          </p:stCondLst>
+                                        </p:cTn>
+                                        <p:tgtEl>
+                                          <p:spTgt spid="7">
+                                            <p:txEl>
+                                              <p:pRg st="8" end="8"/>
+                                            </p:txEl>
+                                          </p:spTgt>
+                                        </p:tgtEl>
+                                        <p:attrNameLst>
+                                          <p:attrName>style.visibility</p:attrName>
+                                        </p:attrNameLst>
+                                      </p:cBhvr>
+                                      <p:to>
+                                        <p:strVal val="visible"/>
+                                      </p:to>
+                                    </p:set>
+                                    <p:animEffect transition="in" filter="fade">
+                                      <p:cBhvr>
+                                        <p:cTn id="35" dur="1000"/>
+                                        <p:tgtEl>
+                                          <p:spTgt spid="7">
+                                            <p:txEl>
+                                              <p:pRg st="8" end="8"/>
+                                            </p:txEl>
+                                          </p:spTgt>
+                                        </p:tgtEl>
+                                      </p:cBhvr>
+                                    </p:animEffect>
+                                    <p:anim calcmode="lin" valueType="num">
+                                      <p:cBhvr>
+                                        <p:cTn id="36" dur="1000" fill="hold"/>
+                                        <p:tgtEl>
+                                          <p:spTgt spid="7">
+                                            <p:txEl>
+                                              <p:pRg st="8" end="8"/>
+                                            </p:txEl>
+                                          </p:spTgt>
+                                        </p:tgtEl>
+                                        <p:attrNameLst>
+                                          <p:attrName>ppt_x</p:attrName>
+                                        </p:attrNameLst>
+                                      </p:cBhvr>
+                                      <p:tavLst>
+                                        <p:tav tm="0">
+                                          <p:val>
+                                            <p:strVal val="#ppt_x"/>
+                                          </p:val>
+                                        </p:tav>
+                                        <p:tav tm="100000">
+                                          <p:val>
+                                            <p:strVal val="#ppt_x"/>
+                                          </p:val>
+                                        </p:tav>
+                                      </p:tavLst>
+                                    </p:anim>
+                                    <p:anim calcmode="lin" valueType="num">
+                                      <p:cBhvr>
+                                        <p:cTn id="37" dur="1000" fill="hold"/>
+                                        <p:tgtEl>
+                                          <p:spTgt spid="7">
+                                            <p:txEl>
+                                              <p:pRg st="8" end="8"/>
+                                            </p:txEl>
+                                          </p:spTgt>
+                                        </p:tgtEl>
+                                        <p:attrNameLst>
+                                          <p:attrName>ppt_y</p:attrName>
+                                        </p:attrNameLst>
+                                      </p:cBhvr>
+                                      <p:tavLst>
+                                        <p:tav tm="0">
+                                          <p:val>
+                                            <p:strVal val="#ppt_y+.1"/>
+                                          </p:val>
+                                        </p:tav>
+                                        <p:tav tm="100000">
+                                          <p:val>
+                                            <p:strVal val="#ppt_y"/>
+                                          </p:val>
+                                        </p:tav>
+                                      </p:tavLst>
+                                    </p:anim>
+                                  </p:childTnLst>
+                                </p:cTn>
+                              </p:par>
+                            </p:childTnLst>
+                          </p:cTn>
+                        </p:par>
+                      </p:childTnLst>
+                    </p:cTn>
+                  </p:par>
+                </p:childTnLst>
+              </p:cTn>
+              <p:prevCondLst>
+                <p:cond evt="onPrev" delay="0">
+                  <p:tgtEl>
+                    <p:sldTgt/>
+                  </p:tgtEl>
+                </p:cond>
+              </p:prevCondLst>
+              <p:nextCondLst>
+                <p:cond evt="onNext" delay="0">
+                  <p:tgtEl>
+                    <p:sldTgt/>
+                  </p:tgtEl>
+                </p:cond>
+              </p:nextCondLst>
+            </p:seq>
+          </p:childTnLst>
+        </p:cTn>
+      </p:par>
+    </p:tnLst>
+  </p:timing>
 </p:sld>
 </file>
 
@@ -4298,31 +5049,6 @@
           </a:p>
         </p:txBody>
       </p:sp>
-      <p:sp>
-        <p:nvSpPr>
-          <p:cNvPr id="4" name="Content Placeholder 3">
-            <a:extLst>
-              <a:ext uri="{FF2B5EF4-FFF2-40B4-BE49-F238E27FC236}">
-                <a16:creationId xmlns:a16="http://schemas.microsoft.com/office/drawing/2014/main" id="{92DD2A9B-43AC-4F84-A09A-FF5C97B4587A}"/>
-              </a:ext>
-            </a:extLst>
-          </p:cNvPr>
-          <p:cNvSpPr>
-            <a:spLocks noGrp="1"/>
-          </p:cNvSpPr>
-          <p:nvPr>
-            <p:ph idx="1"/>
-          </p:nvPr>
-        </p:nvSpPr>
-        <p:spPr/>
-        <p:txBody>
-          <a:bodyPr/>
-          <a:lstStyle/>
-          <a:p>
-            <a:endParaRPr lang="en-US"/>
-          </a:p>
-        </p:txBody>
-      </p:sp>
     </p:spTree>
     <p:extLst>
       <p:ext uri="{BB962C8B-B14F-4D97-AF65-F5344CB8AC3E}">
@@ -4333,6 +5059,508 @@
   <p:clrMapOvr>
     <a:masterClrMapping/>
   </p:clrMapOvr>
+  <mc:AlternateContent xmlns:mc="http://schemas.openxmlformats.org/markup-compatibility/2006">
+    <mc:Choice xmlns:p159="http://schemas.microsoft.com/office/powerpoint/2015/09/main" Requires="p159">
+      <p:transition xmlns:p14="http://schemas.microsoft.com/office/powerpoint/2010/main" spd="slow" p14:dur="2000">
+        <p159:morph option="byObject"/>
+      </p:transition>
+    </mc:Choice>
+    <mc:Fallback>
+      <p:transition spd="slow">
+        <p:fade/>
+      </p:transition>
+    </mc:Fallback>
+  </mc:AlternateContent>
+  <p:timing>
+    <p:tnLst>
+      <p:par>
+        <p:cTn id="1" dur="indefinite" restart="never" nodeType="tmRoot">
+          <p:childTnLst>
+            <p:seq concurrent="1" nextAc="seek">
+              <p:cTn id="2" dur="indefinite" nodeType="mainSeq">
+                <p:childTnLst>
+                  <p:par>
+                    <p:cTn id="3" fill="hold">
+                      <p:stCondLst>
+                        <p:cond delay="indefinite"/>
+                      </p:stCondLst>
+                      <p:childTnLst>
+                        <p:par>
+                          <p:cTn id="4" fill="hold">
+                            <p:stCondLst>
+                              <p:cond delay="0"/>
+                            </p:stCondLst>
+                            <p:childTnLst>
+                              <p:par>
+                                <p:cTn id="5" presetID="42" presetClass="entr" presetSubtype="0" fill="hold" nodeType="clickEffect">
+                                  <p:stCondLst>
+                                    <p:cond delay="0"/>
+                                  </p:stCondLst>
+                                  <p:childTnLst>
+                                    <p:set>
+                                      <p:cBhvr>
+                                        <p:cTn id="6" dur="1" fill="hold">
+                                          <p:stCondLst>
+                                            <p:cond delay="0"/>
+                                          </p:stCondLst>
+                                        </p:cTn>
+                                        <p:tgtEl>
+                                          <p:spTgt spid="7">
+                                            <p:txEl>
+                                              <p:pRg st="0" end="0"/>
+                                            </p:txEl>
+                                          </p:spTgt>
+                                        </p:tgtEl>
+                                        <p:attrNameLst>
+                                          <p:attrName>style.visibility</p:attrName>
+                                        </p:attrNameLst>
+                                      </p:cBhvr>
+                                      <p:to>
+                                        <p:strVal val="visible"/>
+                                      </p:to>
+                                    </p:set>
+                                    <p:animEffect transition="in" filter="fade">
+                                      <p:cBhvr>
+                                        <p:cTn id="7" dur="1000"/>
+                                        <p:tgtEl>
+                                          <p:spTgt spid="7">
+                                            <p:txEl>
+                                              <p:pRg st="0" end="0"/>
+                                            </p:txEl>
+                                          </p:spTgt>
+                                        </p:tgtEl>
+                                      </p:cBhvr>
+                                    </p:animEffect>
+                                    <p:anim calcmode="lin" valueType="num">
+                                      <p:cBhvr>
+                                        <p:cTn id="8" dur="1000" fill="hold"/>
+                                        <p:tgtEl>
+                                          <p:spTgt spid="7">
+                                            <p:txEl>
+                                              <p:pRg st="0" end="0"/>
+                                            </p:txEl>
+                                          </p:spTgt>
+                                        </p:tgtEl>
+                                        <p:attrNameLst>
+                                          <p:attrName>ppt_x</p:attrName>
+                                        </p:attrNameLst>
+                                      </p:cBhvr>
+                                      <p:tavLst>
+                                        <p:tav tm="0">
+                                          <p:val>
+                                            <p:strVal val="#ppt_x"/>
+                                          </p:val>
+                                        </p:tav>
+                                        <p:tav tm="100000">
+                                          <p:val>
+                                            <p:strVal val="#ppt_x"/>
+                                          </p:val>
+                                        </p:tav>
+                                      </p:tavLst>
+                                    </p:anim>
+                                    <p:anim calcmode="lin" valueType="num">
+                                      <p:cBhvr>
+                                        <p:cTn id="9" dur="1000" fill="hold"/>
+                                        <p:tgtEl>
+                                          <p:spTgt spid="7">
+                                            <p:txEl>
+                                              <p:pRg st="0" end="0"/>
+                                            </p:txEl>
+                                          </p:spTgt>
+                                        </p:tgtEl>
+                                        <p:attrNameLst>
+                                          <p:attrName>ppt_y</p:attrName>
+                                        </p:attrNameLst>
+                                      </p:cBhvr>
+                                      <p:tavLst>
+                                        <p:tav tm="0">
+                                          <p:val>
+                                            <p:strVal val="#ppt_y+.1"/>
+                                          </p:val>
+                                        </p:tav>
+                                        <p:tav tm="100000">
+                                          <p:val>
+                                            <p:strVal val="#ppt_y"/>
+                                          </p:val>
+                                        </p:tav>
+                                      </p:tavLst>
+                                    </p:anim>
+                                  </p:childTnLst>
+                                </p:cTn>
+                              </p:par>
+                            </p:childTnLst>
+                          </p:cTn>
+                        </p:par>
+                      </p:childTnLst>
+                    </p:cTn>
+                  </p:par>
+                  <p:par>
+                    <p:cTn id="10" fill="hold">
+                      <p:stCondLst>
+                        <p:cond delay="indefinite"/>
+                      </p:stCondLst>
+                      <p:childTnLst>
+                        <p:par>
+                          <p:cTn id="11" fill="hold">
+                            <p:stCondLst>
+                              <p:cond delay="0"/>
+                            </p:stCondLst>
+                            <p:childTnLst>
+                              <p:par>
+                                <p:cTn id="12" presetID="42" presetClass="entr" presetSubtype="0" fill="hold" nodeType="clickEffect">
+                                  <p:stCondLst>
+                                    <p:cond delay="0"/>
+                                  </p:stCondLst>
+                                  <p:childTnLst>
+                                    <p:set>
+                                      <p:cBhvr>
+                                        <p:cTn id="13" dur="1" fill="hold">
+                                          <p:stCondLst>
+                                            <p:cond delay="0"/>
+                                          </p:stCondLst>
+                                        </p:cTn>
+                                        <p:tgtEl>
+                                          <p:spTgt spid="7">
+                                            <p:txEl>
+                                              <p:pRg st="2" end="2"/>
+                                            </p:txEl>
+                                          </p:spTgt>
+                                        </p:tgtEl>
+                                        <p:attrNameLst>
+                                          <p:attrName>style.visibility</p:attrName>
+                                        </p:attrNameLst>
+                                      </p:cBhvr>
+                                      <p:to>
+                                        <p:strVal val="visible"/>
+                                      </p:to>
+                                    </p:set>
+                                    <p:animEffect transition="in" filter="fade">
+                                      <p:cBhvr>
+                                        <p:cTn id="14" dur="1000"/>
+                                        <p:tgtEl>
+                                          <p:spTgt spid="7">
+                                            <p:txEl>
+                                              <p:pRg st="2" end="2"/>
+                                            </p:txEl>
+                                          </p:spTgt>
+                                        </p:tgtEl>
+                                      </p:cBhvr>
+                                    </p:animEffect>
+                                    <p:anim calcmode="lin" valueType="num">
+                                      <p:cBhvr>
+                                        <p:cTn id="15" dur="1000" fill="hold"/>
+                                        <p:tgtEl>
+                                          <p:spTgt spid="7">
+                                            <p:txEl>
+                                              <p:pRg st="2" end="2"/>
+                                            </p:txEl>
+                                          </p:spTgt>
+                                        </p:tgtEl>
+                                        <p:attrNameLst>
+                                          <p:attrName>ppt_x</p:attrName>
+                                        </p:attrNameLst>
+                                      </p:cBhvr>
+                                      <p:tavLst>
+                                        <p:tav tm="0">
+                                          <p:val>
+                                            <p:strVal val="#ppt_x"/>
+                                          </p:val>
+                                        </p:tav>
+                                        <p:tav tm="100000">
+                                          <p:val>
+                                            <p:strVal val="#ppt_x"/>
+                                          </p:val>
+                                        </p:tav>
+                                      </p:tavLst>
+                                    </p:anim>
+                                    <p:anim calcmode="lin" valueType="num">
+                                      <p:cBhvr>
+                                        <p:cTn id="16" dur="1000" fill="hold"/>
+                                        <p:tgtEl>
+                                          <p:spTgt spid="7">
+                                            <p:txEl>
+                                              <p:pRg st="2" end="2"/>
+                                            </p:txEl>
+                                          </p:spTgt>
+                                        </p:tgtEl>
+                                        <p:attrNameLst>
+                                          <p:attrName>ppt_y</p:attrName>
+                                        </p:attrNameLst>
+                                      </p:cBhvr>
+                                      <p:tavLst>
+                                        <p:tav tm="0">
+                                          <p:val>
+                                            <p:strVal val="#ppt_y+.1"/>
+                                          </p:val>
+                                        </p:tav>
+                                        <p:tav tm="100000">
+                                          <p:val>
+                                            <p:strVal val="#ppt_y"/>
+                                          </p:val>
+                                        </p:tav>
+                                      </p:tavLst>
+                                    </p:anim>
+                                  </p:childTnLst>
+                                </p:cTn>
+                              </p:par>
+                            </p:childTnLst>
+                          </p:cTn>
+                        </p:par>
+                      </p:childTnLst>
+                    </p:cTn>
+                  </p:par>
+                  <p:par>
+                    <p:cTn id="17" fill="hold">
+                      <p:stCondLst>
+                        <p:cond delay="indefinite"/>
+                      </p:stCondLst>
+                      <p:childTnLst>
+                        <p:par>
+                          <p:cTn id="18" fill="hold">
+                            <p:stCondLst>
+                              <p:cond delay="0"/>
+                            </p:stCondLst>
+                            <p:childTnLst>
+                              <p:par>
+                                <p:cTn id="19" presetID="42" presetClass="entr" presetSubtype="0" fill="hold" nodeType="clickEffect">
+                                  <p:stCondLst>
+                                    <p:cond delay="0"/>
+                                  </p:stCondLst>
+                                  <p:childTnLst>
+                                    <p:set>
+                                      <p:cBhvr>
+                                        <p:cTn id="20" dur="1" fill="hold">
+                                          <p:stCondLst>
+                                            <p:cond delay="0"/>
+                                          </p:stCondLst>
+                                        </p:cTn>
+                                        <p:tgtEl>
+                                          <p:spTgt spid="7">
+                                            <p:txEl>
+                                              <p:pRg st="4" end="4"/>
+                                            </p:txEl>
+                                          </p:spTgt>
+                                        </p:tgtEl>
+                                        <p:attrNameLst>
+                                          <p:attrName>style.visibility</p:attrName>
+                                        </p:attrNameLst>
+                                      </p:cBhvr>
+                                      <p:to>
+                                        <p:strVal val="visible"/>
+                                      </p:to>
+                                    </p:set>
+                                    <p:animEffect transition="in" filter="fade">
+                                      <p:cBhvr>
+                                        <p:cTn id="21" dur="1000"/>
+                                        <p:tgtEl>
+                                          <p:spTgt spid="7">
+                                            <p:txEl>
+                                              <p:pRg st="4" end="4"/>
+                                            </p:txEl>
+                                          </p:spTgt>
+                                        </p:tgtEl>
+                                      </p:cBhvr>
+                                    </p:animEffect>
+                                    <p:anim calcmode="lin" valueType="num">
+                                      <p:cBhvr>
+                                        <p:cTn id="22" dur="1000" fill="hold"/>
+                                        <p:tgtEl>
+                                          <p:spTgt spid="7">
+                                            <p:txEl>
+                                              <p:pRg st="4" end="4"/>
+                                            </p:txEl>
+                                          </p:spTgt>
+                                        </p:tgtEl>
+                                        <p:attrNameLst>
+                                          <p:attrName>ppt_x</p:attrName>
+                                        </p:attrNameLst>
+                                      </p:cBhvr>
+                                      <p:tavLst>
+                                        <p:tav tm="0">
+                                          <p:val>
+                                            <p:strVal val="#ppt_x"/>
+                                          </p:val>
+                                        </p:tav>
+                                        <p:tav tm="100000">
+                                          <p:val>
+                                            <p:strVal val="#ppt_x"/>
+                                          </p:val>
+                                        </p:tav>
+                                      </p:tavLst>
+                                    </p:anim>
+                                    <p:anim calcmode="lin" valueType="num">
+                                      <p:cBhvr>
+                                        <p:cTn id="23" dur="1000" fill="hold"/>
+                                        <p:tgtEl>
+                                          <p:spTgt spid="7">
+                                            <p:txEl>
+                                              <p:pRg st="4" end="4"/>
+                                            </p:txEl>
+                                          </p:spTgt>
+                                        </p:tgtEl>
+                                        <p:attrNameLst>
+                                          <p:attrName>ppt_y</p:attrName>
+                                        </p:attrNameLst>
+                                      </p:cBhvr>
+                                      <p:tavLst>
+                                        <p:tav tm="0">
+                                          <p:val>
+                                            <p:strVal val="#ppt_y+.1"/>
+                                          </p:val>
+                                        </p:tav>
+                                        <p:tav tm="100000">
+                                          <p:val>
+                                            <p:strVal val="#ppt_y"/>
+                                          </p:val>
+                                        </p:tav>
+                                      </p:tavLst>
+                                    </p:anim>
+                                  </p:childTnLst>
+                                </p:cTn>
+                              </p:par>
+                            </p:childTnLst>
+                          </p:cTn>
+                        </p:par>
+                      </p:childTnLst>
+                    </p:cTn>
+                  </p:par>
+                  <p:par>
+                    <p:cTn id="24" fill="hold">
+                      <p:stCondLst>
+                        <p:cond delay="indefinite"/>
+                      </p:stCondLst>
+                      <p:childTnLst>
+                        <p:par>
+                          <p:cTn id="25" fill="hold">
+                            <p:stCondLst>
+                              <p:cond delay="0"/>
+                            </p:stCondLst>
+                            <p:childTnLst>
+                              <p:par>
+                                <p:cTn id="26" presetID="42" presetClass="entr" presetSubtype="0" fill="hold" nodeType="clickEffect">
+                                  <p:stCondLst>
+                                    <p:cond delay="0"/>
+                                  </p:stCondLst>
+                                  <p:childTnLst>
+                                    <p:set>
+                                      <p:cBhvr>
+                                        <p:cTn id="27" dur="1" fill="hold">
+                                          <p:stCondLst>
+                                            <p:cond delay="0"/>
+                                          </p:stCondLst>
+                                        </p:cTn>
+                                        <p:tgtEl>
+                                          <p:spTgt spid="7">
+                                            <p:txEl>
+                                              <p:pRg st="6" end="6"/>
+                                            </p:txEl>
+                                          </p:spTgt>
+                                        </p:tgtEl>
+                                        <p:attrNameLst>
+                                          <p:attrName>style.visibility</p:attrName>
+                                        </p:attrNameLst>
+                                      </p:cBhvr>
+                                      <p:to>
+                                        <p:strVal val="visible"/>
+                                      </p:to>
+                                    </p:set>
+                                    <p:animEffect transition="in" filter="fade">
+                                      <p:cBhvr>
+                                        <p:cTn id="28" dur="1000"/>
+                                        <p:tgtEl>
+                                          <p:spTgt spid="7">
+                                            <p:txEl>
+                                              <p:pRg st="6" end="6"/>
+                                            </p:txEl>
+                                          </p:spTgt>
+                                        </p:tgtEl>
+                                      </p:cBhvr>
+                                    </p:animEffect>
+                                    <p:anim calcmode="lin" valueType="num">
+                                      <p:cBhvr>
+                                        <p:cTn id="29" dur="1000" fill="hold"/>
+                                        <p:tgtEl>
+                                          <p:spTgt spid="7">
+                                            <p:txEl>
+                                              <p:pRg st="6" end="6"/>
+                                            </p:txEl>
+                                          </p:spTgt>
+                                        </p:tgtEl>
+                                        <p:attrNameLst>
+                                          <p:attrName>ppt_x</p:attrName>
+                                        </p:attrNameLst>
+                                      </p:cBhvr>
+                                      <p:tavLst>
+                                        <p:tav tm="0">
+                                          <p:val>
+                                            <p:strVal val="#ppt_x"/>
+                                          </p:val>
+                                        </p:tav>
+                                        <p:tav tm="100000">
+                                          <p:val>
+                                            <p:strVal val="#ppt_x"/>
+                                          </p:val>
+                                        </p:tav>
+                                      </p:tavLst>
+                                    </p:anim>
+                                    <p:anim calcmode="lin" valueType="num">
+                                      <p:cBhvr>
+                                        <p:cTn id="30" dur="1000" fill="hold"/>
+                                        <p:tgtEl>
+                                          <p:spTgt spid="7">
+                                            <p:txEl>
+                                              <p:pRg st="6" end="6"/>
+                                            </p:txEl>
+                                          </p:spTgt>
+                                        </p:tgtEl>
+                                        <p:attrNameLst>
+                                          <p:attrName>ppt_y</p:attrName>
+                                        </p:attrNameLst>
+                                      </p:cBhvr>
+                                      <p:tavLst>
+                                        <p:tav tm="0">
+                                          <p:val>
+                                            <p:strVal val="#ppt_y+.1"/>
+                                          </p:val>
+                                        </p:tav>
+                                        <p:tav tm="100000">
+                                          <p:val>
+                                            <p:strVal val="#ppt_y"/>
+                                          </p:val>
+                                        </p:tav>
+                                      </p:tavLst>
+                                    </p:anim>
+                                  </p:childTnLst>
+                                </p:cTn>
+                              </p:par>
+                            </p:childTnLst>
+                          </p:cTn>
+                        </p:par>
+                      </p:childTnLst>
+                    </p:cTn>
+                  </p:par>
+                </p:childTnLst>
+              </p:cTn>
+              <p:prevCondLst>
+                <p:cond evt="onPrev" delay="0">
+                  <p:tgtEl>
+                    <p:sldTgt/>
+                  </p:tgtEl>
+                </p:cond>
+              </p:prevCondLst>
+              <p:nextCondLst>
+                <p:cond evt="onNext" delay="0">
+                  <p:tgtEl>
+                    <p:sldTgt/>
+                  </p:tgtEl>
+                </p:cond>
+              </p:nextCondLst>
+            </p:seq>
+          </p:childTnLst>
+        </p:cTn>
+      </p:par>
+    </p:tnLst>
+  </p:timing>
 </p:sld>
 </file>
 
@@ -4531,31 +5759,6 @@
           </a:p>
         </p:txBody>
       </p:sp>
-      <p:sp>
-        <p:nvSpPr>
-          <p:cNvPr id="4" name="Content Placeholder 3">
-            <a:extLst>
-              <a:ext uri="{FF2B5EF4-FFF2-40B4-BE49-F238E27FC236}">
-                <a16:creationId xmlns:a16="http://schemas.microsoft.com/office/drawing/2014/main" id="{1D35DD1C-3658-451B-B601-07CA3C9E046E}"/>
-              </a:ext>
-            </a:extLst>
-          </p:cNvPr>
-          <p:cNvSpPr>
-            <a:spLocks noGrp="1"/>
-          </p:cNvSpPr>
-          <p:nvPr>
-            <p:ph idx="1"/>
-          </p:nvPr>
-        </p:nvSpPr>
-        <p:spPr/>
-        <p:txBody>
-          <a:bodyPr/>
-          <a:lstStyle/>
-          <a:p>
-            <a:endParaRPr lang="en-US"/>
-          </a:p>
-        </p:txBody>
-      </p:sp>
     </p:spTree>
     <p:extLst>
       <p:ext uri="{BB962C8B-B14F-4D97-AF65-F5344CB8AC3E}">
@@ -4566,6 +5769,393 @@
   <p:clrMapOvr>
     <a:masterClrMapping/>
   </p:clrMapOvr>
+  <mc:AlternateContent xmlns:mc="http://schemas.openxmlformats.org/markup-compatibility/2006">
+    <mc:Choice xmlns:p159="http://schemas.microsoft.com/office/powerpoint/2015/09/main" Requires="p159">
+      <p:transition xmlns:p14="http://schemas.microsoft.com/office/powerpoint/2010/main" spd="slow" p14:dur="2000">
+        <p159:morph option="byObject"/>
+      </p:transition>
+    </mc:Choice>
+    <mc:Fallback>
+      <p:transition spd="slow">
+        <p:fade/>
+      </p:transition>
+    </mc:Fallback>
+  </mc:AlternateContent>
+  <p:timing>
+    <p:tnLst>
+      <p:par>
+        <p:cTn id="1" dur="indefinite" restart="never" nodeType="tmRoot">
+          <p:childTnLst>
+            <p:seq concurrent="1" nextAc="seek">
+              <p:cTn id="2" dur="indefinite" nodeType="mainSeq">
+                <p:childTnLst>
+                  <p:par>
+                    <p:cTn id="3" fill="hold">
+                      <p:stCondLst>
+                        <p:cond delay="indefinite"/>
+                      </p:stCondLst>
+                      <p:childTnLst>
+                        <p:par>
+                          <p:cTn id="4" fill="hold">
+                            <p:stCondLst>
+                              <p:cond delay="0"/>
+                            </p:stCondLst>
+                            <p:childTnLst>
+                              <p:par>
+                                <p:cTn id="5" presetID="42" presetClass="entr" presetSubtype="0" fill="hold" nodeType="clickEffect">
+                                  <p:stCondLst>
+                                    <p:cond delay="0"/>
+                                  </p:stCondLst>
+                                  <p:childTnLst>
+                                    <p:set>
+                                      <p:cBhvr>
+                                        <p:cTn id="6" dur="1" fill="hold">
+                                          <p:stCondLst>
+                                            <p:cond delay="0"/>
+                                          </p:stCondLst>
+                                        </p:cTn>
+                                        <p:tgtEl>
+                                          <p:spTgt spid="7">
+                                            <p:txEl>
+                                              <p:pRg st="0" end="0"/>
+                                            </p:txEl>
+                                          </p:spTgt>
+                                        </p:tgtEl>
+                                        <p:attrNameLst>
+                                          <p:attrName>style.visibility</p:attrName>
+                                        </p:attrNameLst>
+                                      </p:cBhvr>
+                                      <p:to>
+                                        <p:strVal val="visible"/>
+                                      </p:to>
+                                    </p:set>
+                                    <p:animEffect transition="in" filter="fade">
+                                      <p:cBhvr>
+                                        <p:cTn id="7" dur="1000"/>
+                                        <p:tgtEl>
+                                          <p:spTgt spid="7">
+                                            <p:txEl>
+                                              <p:pRg st="0" end="0"/>
+                                            </p:txEl>
+                                          </p:spTgt>
+                                        </p:tgtEl>
+                                      </p:cBhvr>
+                                    </p:animEffect>
+                                    <p:anim calcmode="lin" valueType="num">
+                                      <p:cBhvr>
+                                        <p:cTn id="8" dur="1000" fill="hold"/>
+                                        <p:tgtEl>
+                                          <p:spTgt spid="7">
+                                            <p:txEl>
+                                              <p:pRg st="0" end="0"/>
+                                            </p:txEl>
+                                          </p:spTgt>
+                                        </p:tgtEl>
+                                        <p:attrNameLst>
+                                          <p:attrName>ppt_x</p:attrName>
+                                        </p:attrNameLst>
+                                      </p:cBhvr>
+                                      <p:tavLst>
+                                        <p:tav tm="0">
+                                          <p:val>
+                                            <p:strVal val="#ppt_x"/>
+                                          </p:val>
+                                        </p:tav>
+                                        <p:tav tm="100000">
+                                          <p:val>
+                                            <p:strVal val="#ppt_x"/>
+                                          </p:val>
+                                        </p:tav>
+                                      </p:tavLst>
+                                    </p:anim>
+                                    <p:anim calcmode="lin" valueType="num">
+                                      <p:cBhvr>
+                                        <p:cTn id="9" dur="1000" fill="hold"/>
+                                        <p:tgtEl>
+                                          <p:spTgt spid="7">
+                                            <p:txEl>
+                                              <p:pRg st="0" end="0"/>
+                                            </p:txEl>
+                                          </p:spTgt>
+                                        </p:tgtEl>
+                                        <p:attrNameLst>
+                                          <p:attrName>ppt_y</p:attrName>
+                                        </p:attrNameLst>
+                                      </p:cBhvr>
+                                      <p:tavLst>
+                                        <p:tav tm="0">
+                                          <p:val>
+                                            <p:strVal val="#ppt_y+.1"/>
+                                          </p:val>
+                                        </p:tav>
+                                        <p:tav tm="100000">
+                                          <p:val>
+                                            <p:strVal val="#ppt_y"/>
+                                          </p:val>
+                                        </p:tav>
+                                      </p:tavLst>
+                                    </p:anim>
+                                  </p:childTnLst>
+                                </p:cTn>
+                              </p:par>
+                            </p:childTnLst>
+                          </p:cTn>
+                        </p:par>
+                      </p:childTnLst>
+                    </p:cTn>
+                  </p:par>
+                  <p:par>
+                    <p:cTn id="10" fill="hold">
+                      <p:stCondLst>
+                        <p:cond delay="indefinite"/>
+                      </p:stCondLst>
+                      <p:childTnLst>
+                        <p:par>
+                          <p:cTn id="11" fill="hold">
+                            <p:stCondLst>
+                              <p:cond delay="0"/>
+                            </p:stCondLst>
+                            <p:childTnLst>
+                              <p:par>
+                                <p:cTn id="12" presetID="42" presetClass="entr" presetSubtype="0" fill="hold" nodeType="clickEffect">
+                                  <p:stCondLst>
+                                    <p:cond delay="0"/>
+                                  </p:stCondLst>
+                                  <p:childTnLst>
+                                    <p:set>
+                                      <p:cBhvr>
+                                        <p:cTn id="13" dur="1" fill="hold">
+                                          <p:stCondLst>
+                                            <p:cond delay="0"/>
+                                          </p:stCondLst>
+                                        </p:cTn>
+                                        <p:tgtEl>
+                                          <p:spTgt spid="7">
+                                            <p:txEl>
+                                              <p:pRg st="2" end="2"/>
+                                            </p:txEl>
+                                          </p:spTgt>
+                                        </p:tgtEl>
+                                        <p:attrNameLst>
+                                          <p:attrName>style.visibility</p:attrName>
+                                        </p:attrNameLst>
+                                      </p:cBhvr>
+                                      <p:to>
+                                        <p:strVal val="visible"/>
+                                      </p:to>
+                                    </p:set>
+                                    <p:animEffect transition="in" filter="fade">
+                                      <p:cBhvr>
+                                        <p:cTn id="14" dur="1000"/>
+                                        <p:tgtEl>
+                                          <p:spTgt spid="7">
+                                            <p:txEl>
+                                              <p:pRg st="2" end="2"/>
+                                            </p:txEl>
+                                          </p:spTgt>
+                                        </p:tgtEl>
+                                      </p:cBhvr>
+                                    </p:animEffect>
+                                    <p:anim calcmode="lin" valueType="num">
+                                      <p:cBhvr>
+                                        <p:cTn id="15" dur="1000" fill="hold"/>
+                                        <p:tgtEl>
+                                          <p:spTgt spid="7">
+                                            <p:txEl>
+                                              <p:pRg st="2" end="2"/>
+                                            </p:txEl>
+                                          </p:spTgt>
+                                        </p:tgtEl>
+                                        <p:attrNameLst>
+                                          <p:attrName>ppt_x</p:attrName>
+                                        </p:attrNameLst>
+                                      </p:cBhvr>
+                                      <p:tavLst>
+                                        <p:tav tm="0">
+                                          <p:val>
+                                            <p:strVal val="#ppt_x"/>
+                                          </p:val>
+                                        </p:tav>
+                                        <p:tav tm="100000">
+                                          <p:val>
+                                            <p:strVal val="#ppt_x"/>
+                                          </p:val>
+                                        </p:tav>
+                                      </p:tavLst>
+                                    </p:anim>
+                                    <p:anim calcmode="lin" valueType="num">
+                                      <p:cBhvr>
+                                        <p:cTn id="16" dur="1000" fill="hold"/>
+                                        <p:tgtEl>
+                                          <p:spTgt spid="7">
+                                            <p:txEl>
+                                              <p:pRg st="2" end="2"/>
+                                            </p:txEl>
+                                          </p:spTgt>
+                                        </p:tgtEl>
+                                        <p:attrNameLst>
+                                          <p:attrName>ppt_y</p:attrName>
+                                        </p:attrNameLst>
+                                      </p:cBhvr>
+                                      <p:tavLst>
+                                        <p:tav tm="0">
+                                          <p:val>
+                                            <p:strVal val="#ppt_y+.1"/>
+                                          </p:val>
+                                        </p:tav>
+                                        <p:tav tm="100000">
+                                          <p:val>
+                                            <p:strVal val="#ppt_y"/>
+                                          </p:val>
+                                        </p:tav>
+                                      </p:tavLst>
+                                    </p:anim>
+                                  </p:childTnLst>
+                                </p:cTn>
+                              </p:par>
+                            </p:childTnLst>
+                          </p:cTn>
+                        </p:par>
+                      </p:childTnLst>
+                    </p:cTn>
+                  </p:par>
+                  <p:par>
+                    <p:cTn id="17" fill="hold">
+                      <p:stCondLst>
+                        <p:cond delay="indefinite"/>
+                      </p:stCondLst>
+                      <p:childTnLst>
+                        <p:par>
+                          <p:cTn id="18" fill="hold">
+                            <p:stCondLst>
+                              <p:cond delay="0"/>
+                            </p:stCondLst>
+                            <p:childTnLst>
+                              <p:par>
+                                <p:cTn id="19" presetID="42" presetClass="entr" presetSubtype="0" fill="hold" nodeType="clickEffect">
+                                  <p:stCondLst>
+                                    <p:cond delay="0"/>
+                                  </p:stCondLst>
+                                  <p:childTnLst>
+                                    <p:set>
+                                      <p:cBhvr>
+                                        <p:cTn id="20" dur="1" fill="hold">
+                                          <p:stCondLst>
+                                            <p:cond delay="0"/>
+                                          </p:stCondLst>
+                                        </p:cTn>
+                                        <p:tgtEl>
+                                          <p:spTgt spid="7">
+                                            <p:txEl>
+                                              <p:pRg st="4" end="4"/>
+                                            </p:txEl>
+                                          </p:spTgt>
+                                        </p:tgtEl>
+                                        <p:attrNameLst>
+                                          <p:attrName>style.visibility</p:attrName>
+                                        </p:attrNameLst>
+                                      </p:cBhvr>
+                                      <p:to>
+                                        <p:strVal val="visible"/>
+                                      </p:to>
+                                    </p:set>
+                                    <p:animEffect transition="in" filter="fade">
+                                      <p:cBhvr>
+                                        <p:cTn id="21" dur="1000"/>
+                                        <p:tgtEl>
+                                          <p:spTgt spid="7">
+                                            <p:txEl>
+                                              <p:pRg st="4" end="4"/>
+                                            </p:txEl>
+                                          </p:spTgt>
+                                        </p:tgtEl>
+                                      </p:cBhvr>
+                                    </p:animEffect>
+                                    <p:anim calcmode="lin" valueType="num">
+                                      <p:cBhvr>
+                                        <p:cTn id="22" dur="1000" fill="hold"/>
+                                        <p:tgtEl>
+                                          <p:spTgt spid="7">
+                                            <p:txEl>
+                                              <p:pRg st="4" end="4"/>
+                                            </p:txEl>
+                                          </p:spTgt>
+                                        </p:tgtEl>
+                                        <p:attrNameLst>
+                                          <p:attrName>ppt_x</p:attrName>
+                                        </p:attrNameLst>
+                                      </p:cBhvr>
+                                      <p:tavLst>
+                                        <p:tav tm="0">
+                                          <p:val>
+                                            <p:strVal val="#ppt_x"/>
+                                          </p:val>
+                                        </p:tav>
+                                        <p:tav tm="100000">
+                                          <p:val>
+                                            <p:strVal val="#ppt_x"/>
+                                          </p:val>
+                                        </p:tav>
+                                      </p:tavLst>
+                                    </p:anim>
+                                    <p:anim calcmode="lin" valueType="num">
+                                      <p:cBhvr>
+                                        <p:cTn id="23" dur="1000" fill="hold"/>
+                                        <p:tgtEl>
+                                          <p:spTgt spid="7">
+                                            <p:txEl>
+                                              <p:pRg st="4" end="4"/>
+                                            </p:txEl>
+                                          </p:spTgt>
+                                        </p:tgtEl>
+                                        <p:attrNameLst>
+                                          <p:attrName>ppt_y</p:attrName>
+                                        </p:attrNameLst>
+                                      </p:cBhvr>
+                                      <p:tavLst>
+                                        <p:tav tm="0">
+                                          <p:val>
+                                            <p:strVal val="#ppt_y+.1"/>
+                                          </p:val>
+                                        </p:tav>
+                                        <p:tav tm="100000">
+                                          <p:val>
+                                            <p:strVal val="#ppt_y"/>
+                                          </p:val>
+                                        </p:tav>
+                                      </p:tavLst>
+                                    </p:anim>
+                                  </p:childTnLst>
+                                </p:cTn>
+                              </p:par>
+                            </p:childTnLst>
+                          </p:cTn>
+                        </p:par>
+                      </p:childTnLst>
+                    </p:cTn>
+                  </p:par>
+                </p:childTnLst>
+              </p:cTn>
+              <p:prevCondLst>
+                <p:cond evt="onPrev" delay="0">
+                  <p:tgtEl>
+                    <p:sldTgt/>
+                  </p:tgtEl>
+                </p:cond>
+              </p:prevCondLst>
+              <p:nextCondLst>
+                <p:cond evt="onNext" delay="0">
+                  <p:tgtEl>
+                    <p:sldTgt/>
+                  </p:tgtEl>
+                </p:cond>
+              </p:nextCondLst>
+            </p:seq>
+          </p:childTnLst>
+        </p:cTn>
+      </p:par>
+    </p:tnLst>
+  </p:timing>
 </p:sld>
 </file>
 
@@ -4754,6 +6344,278 @@
   <p:clrMapOvr>
     <a:masterClrMapping/>
   </p:clrMapOvr>
+  <mc:AlternateContent xmlns:mc="http://schemas.openxmlformats.org/markup-compatibility/2006">
+    <mc:Choice xmlns:p159="http://schemas.microsoft.com/office/powerpoint/2015/09/main" Requires="p159">
+      <p:transition xmlns:p14="http://schemas.microsoft.com/office/powerpoint/2010/main" spd="slow" p14:dur="2000">
+        <p159:morph option="byObject"/>
+      </p:transition>
+    </mc:Choice>
+    <mc:Fallback>
+      <p:transition spd="slow">
+        <p:fade/>
+      </p:transition>
+    </mc:Fallback>
+  </mc:AlternateContent>
+  <p:timing>
+    <p:tnLst>
+      <p:par>
+        <p:cTn id="1" dur="indefinite" restart="never" nodeType="tmRoot">
+          <p:childTnLst>
+            <p:seq concurrent="1" nextAc="seek">
+              <p:cTn id="2" dur="indefinite" nodeType="mainSeq">
+                <p:childTnLst>
+                  <p:par>
+                    <p:cTn id="3" fill="hold">
+                      <p:stCondLst>
+                        <p:cond delay="indefinite"/>
+                      </p:stCondLst>
+                      <p:childTnLst>
+                        <p:par>
+                          <p:cTn id="4" fill="hold">
+                            <p:stCondLst>
+                              <p:cond delay="0"/>
+                            </p:stCondLst>
+                            <p:childTnLst>
+                              <p:par>
+                                <p:cTn id="5" presetID="42" presetClass="entr" presetSubtype="0" fill="hold" nodeType="clickEffect">
+                                  <p:stCondLst>
+                                    <p:cond delay="0"/>
+                                  </p:stCondLst>
+                                  <p:childTnLst>
+                                    <p:set>
+                                      <p:cBhvr>
+                                        <p:cTn id="6" dur="1" fill="hold">
+                                          <p:stCondLst>
+                                            <p:cond delay="0"/>
+                                          </p:stCondLst>
+                                        </p:cTn>
+                                        <p:tgtEl>
+                                          <p:spTgt spid="3">
+                                            <p:txEl>
+                                              <p:pRg st="0" end="0"/>
+                                            </p:txEl>
+                                          </p:spTgt>
+                                        </p:tgtEl>
+                                        <p:attrNameLst>
+                                          <p:attrName>style.visibility</p:attrName>
+                                        </p:attrNameLst>
+                                      </p:cBhvr>
+                                      <p:to>
+                                        <p:strVal val="visible"/>
+                                      </p:to>
+                                    </p:set>
+                                    <p:animEffect transition="in" filter="fade">
+                                      <p:cBhvr>
+                                        <p:cTn id="7" dur="1000"/>
+                                        <p:tgtEl>
+                                          <p:spTgt spid="3">
+                                            <p:txEl>
+                                              <p:pRg st="0" end="0"/>
+                                            </p:txEl>
+                                          </p:spTgt>
+                                        </p:tgtEl>
+                                      </p:cBhvr>
+                                    </p:animEffect>
+                                    <p:anim calcmode="lin" valueType="num">
+                                      <p:cBhvr>
+                                        <p:cTn id="8" dur="1000" fill="hold"/>
+                                        <p:tgtEl>
+                                          <p:spTgt spid="3">
+                                            <p:txEl>
+                                              <p:pRg st="0" end="0"/>
+                                            </p:txEl>
+                                          </p:spTgt>
+                                        </p:tgtEl>
+                                        <p:attrNameLst>
+                                          <p:attrName>ppt_x</p:attrName>
+                                        </p:attrNameLst>
+                                      </p:cBhvr>
+                                      <p:tavLst>
+                                        <p:tav tm="0">
+                                          <p:val>
+                                            <p:strVal val="#ppt_x"/>
+                                          </p:val>
+                                        </p:tav>
+                                        <p:tav tm="100000">
+                                          <p:val>
+                                            <p:strVal val="#ppt_x"/>
+                                          </p:val>
+                                        </p:tav>
+                                      </p:tavLst>
+                                    </p:anim>
+                                    <p:anim calcmode="lin" valueType="num">
+                                      <p:cBhvr>
+                                        <p:cTn id="9" dur="1000" fill="hold"/>
+                                        <p:tgtEl>
+                                          <p:spTgt spid="3">
+                                            <p:txEl>
+                                              <p:pRg st="0" end="0"/>
+                                            </p:txEl>
+                                          </p:spTgt>
+                                        </p:tgtEl>
+                                        <p:attrNameLst>
+                                          <p:attrName>ppt_y</p:attrName>
+                                        </p:attrNameLst>
+                                      </p:cBhvr>
+                                      <p:tavLst>
+                                        <p:tav tm="0">
+                                          <p:val>
+                                            <p:strVal val="#ppt_y+.1"/>
+                                          </p:val>
+                                        </p:tav>
+                                        <p:tav tm="100000">
+                                          <p:val>
+                                            <p:strVal val="#ppt_y"/>
+                                          </p:val>
+                                        </p:tav>
+                                      </p:tavLst>
+                                    </p:anim>
+                                  </p:childTnLst>
+                                </p:cTn>
+                              </p:par>
+                            </p:childTnLst>
+                          </p:cTn>
+                        </p:par>
+                      </p:childTnLst>
+                    </p:cTn>
+                  </p:par>
+                  <p:par>
+                    <p:cTn id="10" fill="hold">
+                      <p:stCondLst>
+                        <p:cond delay="indefinite"/>
+                      </p:stCondLst>
+                      <p:childTnLst>
+                        <p:par>
+                          <p:cTn id="11" fill="hold">
+                            <p:stCondLst>
+                              <p:cond delay="0"/>
+                            </p:stCondLst>
+                            <p:childTnLst>
+                              <p:par>
+                                <p:cTn id="12" presetID="53" presetClass="entr" presetSubtype="16" fill="hold" nodeType="clickEffect">
+                                  <p:stCondLst>
+                                    <p:cond delay="500"/>
+                                  </p:stCondLst>
+                                  <p:childTnLst>
+                                    <p:set>
+                                      <p:cBhvr>
+                                        <p:cTn id="13" dur="1" fill="hold">
+                                          <p:stCondLst>
+                                            <p:cond delay="0"/>
+                                          </p:stCondLst>
+                                        </p:cTn>
+                                        <p:tgtEl>
+                                          <p:spTgt spid="3">
+                                            <p:txEl>
+                                              <p:pRg st="1" end="1"/>
+                                            </p:txEl>
+                                          </p:spTgt>
+                                        </p:tgtEl>
+                                        <p:attrNameLst>
+                                          <p:attrName>style.visibility</p:attrName>
+                                        </p:attrNameLst>
+                                      </p:cBhvr>
+                                      <p:to>
+                                        <p:strVal val="visible"/>
+                                      </p:to>
+                                    </p:set>
+                                    <p:anim calcmode="lin" valueType="num">
+                                      <p:cBhvr>
+                                        <p:cTn id="14" dur="1500" fill="hold"/>
+                                        <p:tgtEl>
+                                          <p:spTgt spid="3">
+                                            <p:txEl>
+                                              <p:pRg st="1" end="1"/>
+                                            </p:txEl>
+                                          </p:spTgt>
+                                        </p:tgtEl>
+                                        <p:attrNameLst>
+                                          <p:attrName>ppt_w</p:attrName>
+                                        </p:attrNameLst>
+                                      </p:cBhvr>
+                                      <p:tavLst>
+                                        <p:tav tm="0">
+                                          <p:val>
+                                            <p:fltVal val="0"/>
+                                          </p:val>
+                                        </p:tav>
+                                        <p:tav tm="100000">
+                                          <p:val>
+                                            <p:strVal val="#ppt_w"/>
+                                          </p:val>
+                                        </p:tav>
+                                      </p:tavLst>
+                                    </p:anim>
+                                    <p:anim calcmode="lin" valueType="num">
+                                      <p:cBhvr>
+                                        <p:cTn id="15" dur="1500" fill="hold"/>
+                                        <p:tgtEl>
+                                          <p:spTgt spid="3">
+                                            <p:txEl>
+                                              <p:pRg st="1" end="1"/>
+                                            </p:txEl>
+                                          </p:spTgt>
+                                        </p:tgtEl>
+                                        <p:attrNameLst>
+                                          <p:attrName>ppt_h</p:attrName>
+                                        </p:attrNameLst>
+                                      </p:cBhvr>
+                                      <p:tavLst>
+                                        <p:tav tm="0">
+                                          <p:val>
+                                            <p:fltVal val="0"/>
+                                          </p:val>
+                                        </p:tav>
+                                        <p:tav tm="100000">
+                                          <p:val>
+                                            <p:strVal val="#ppt_h"/>
+                                          </p:val>
+                                        </p:tav>
+                                      </p:tavLst>
+                                    </p:anim>
+                                    <p:animEffect transition="in" filter="fade">
+                                      <p:cBhvr>
+                                        <p:cTn id="16" dur="1500"/>
+                                        <p:tgtEl>
+                                          <p:spTgt spid="3">
+                                            <p:txEl>
+                                              <p:pRg st="1" end="1"/>
+                                            </p:txEl>
+                                          </p:spTgt>
+                                        </p:tgtEl>
+                                      </p:cBhvr>
+                                    </p:animEffect>
+                                  </p:childTnLst>
+                                </p:cTn>
+                              </p:par>
+                            </p:childTnLst>
+                          </p:cTn>
+                        </p:par>
+                      </p:childTnLst>
+                    </p:cTn>
+                  </p:par>
+                </p:childTnLst>
+              </p:cTn>
+              <p:prevCondLst>
+                <p:cond evt="onPrev" delay="0">
+                  <p:tgtEl>
+                    <p:sldTgt/>
+                  </p:tgtEl>
+                </p:cond>
+              </p:prevCondLst>
+              <p:nextCondLst>
+                <p:cond evt="onNext" delay="0">
+                  <p:tgtEl>
+                    <p:sldTgt/>
+                  </p:tgtEl>
+                </p:cond>
+              </p:nextCondLst>
+            </p:seq>
+          </p:childTnLst>
+        </p:cTn>
+      </p:par>
+    </p:tnLst>
+  </p:timing>
 </p:sld>
 </file>
 
@@ -5004,6 +6866,524 @@
   <p:clrMapOvr>
     <a:masterClrMapping/>
   </p:clrMapOvr>
+  <mc:AlternateContent xmlns:mc="http://schemas.openxmlformats.org/markup-compatibility/2006">
+    <mc:Choice xmlns:p159="http://schemas.microsoft.com/office/powerpoint/2015/09/main" Requires="p159">
+      <p:transition xmlns:p14="http://schemas.microsoft.com/office/powerpoint/2010/main" spd="slow" p14:dur="2000">
+        <p159:morph option="byObject"/>
+      </p:transition>
+    </mc:Choice>
+    <mc:Fallback>
+      <p:transition spd="slow">
+        <p:fade/>
+      </p:transition>
+    </mc:Fallback>
+  </mc:AlternateContent>
+  <p:timing>
+    <p:tnLst>
+      <p:par>
+        <p:cTn id="1" dur="indefinite" restart="never" nodeType="tmRoot">
+          <p:childTnLst>
+            <p:seq concurrent="1" nextAc="seek">
+              <p:cTn id="2" dur="indefinite" nodeType="mainSeq">
+                <p:childTnLst>
+                  <p:par>
+                    <p:cTn id="3" fill="hold">
+                      <p:stCondLst>
+                        <p:cond delay="indefinite"/>
+                      </p:stCondLst>
+                      <p:childTnLst>
+                        <p:par>
+                          <p:cTn id="4" fill="hold">
+                            <p:stCondLst>
+                              <p:cond delay="0"/>
+                            </p:stCondLst>
+                            <p:childTnLst>
+                              <p:par>
+                                <p:cTn id="5" presetID="1" presetClass="entr" presetSubtype="0" fill="hold" nodeType="clickEffect">
+                                  <p:stCondLst>
+                                    <p:cond delay="0"/>
+                                  </p:stCondLst>
+                                  <p:childTnLst>
+                                    <p:set>
+                                      <p:cBhvr>
+                                        <p:cTn id="6" dur="1" fill="hold">
+                                          <p:stCondLst>
+                                            <p:cond delay="0"/>
+                                          </p:stCondLst>
+                                        </p:cTn>
+                                        <p:tgtEl>
+                                          <p:spTgt spid="4">
+                                            <p:txEl>
+                                              <p:pRg st="0" end="0"/>
+                                            </p:txEl>
+                                          </p:spTgt>
+                                        </p:tgtEl>
+                                        <p:attrNameLst>
+                                          <p:attrName>style.visibility</p:attrName>
+                                        </p:attrNameLst>
+                                      </p:cBhvr>
+                                      <p:to>
+                                        <p:strVal val="visible"/>
+                                      </p:to>
+                                    </p:set>
+                                  </p:childTnLst>
+                                </p:cTn>
+                              </p:par>
+                            </p:childTnLst>
+                          </p:cTn>
+                        </p:par>
+                      </p:childTnLst>
+                    </p:cTn>
+                  </p:par>
+                  <p:par>
+                    <p:cTn id="7" fill="hold">
+                      <p:stCondLst>
+                        <p:cond delay="indefinite"/>
+                      </p:stCondLst>
+                      <p:childTnLst>
+                        <p:par>
+                          <p:cTn id="8" fill="hold">
+                            <p:stCondLst>
+                              <p:cond delay="0"/>
+                            </p:stCondLst>
+                            <p:childTnLst>
+                              <p:par>
+                                <p:cTn id="9" presetID="22" presetClass="entr" presetSubtype="4" fill="hold" nodeType="clickEffect">
+                                  <p:stCondLst>
+                                    <p:cond delay="0"/>
+                                  </p:stCondLst>
+                                  <p:childTnLst>
+                                    <p:set>
+                                      <p:cBhvr>
+                                        <p:cTn id="10" dur="1" fill="hold">
+                                          <p:stCondLst>
+                                            <p:cond delay="0"/>
+                                          </p:stCondLst>
+                                        </p:cTn>
+                                        <p:tgtEl>
+                                          <p:spTgt spid="4">
+                                            <p:txEl>
+                                              <p:pRg st="1" end="1"/>
+                                            </p:txEl>
+                                          </p:spTgt>
+                                        </p:tgtEl>
+                                        <p:attrNameLst>
+                                          <p:attrName>style.visibility</p:attrName>
+                                        </p:attrNameLst>
+                                      </p:cBhvr>
+                                      <p:to>
+                                        <p:strVal val="visible"/>
+                                      </p:to>
+                                    </p:set>
+                                    <p:animEffect transition="in" filter="wipe(down)">
+                                      <p:cBhvr>
+                                        <p:cTn id="11" dur="500"/>
+                                        <p:tgtEl>
+                                          <p:spTgt spid="4">
+                                            <p:txEl>
+                                              <p:pRg st="1" end="1"/>
+                                            </p:txEl>
+                                          </p:spTgt>
+                                        </p:tgtEl>
+                                      </p:cBhvr>
+                                    </p:animEffect>
+                                  </p:childTnLst>
+                                </p:cTn>
+                              </p:par>
+                            </p:childTnLst>
+                          </p:cTn>
+                        </p:par>
+                      </p:childTnLst>
+                    </p:cTn>
+                  </p:par>
+                  <p:par>
+                    <p:cTn id="12" fill="hold">
+                      <p:stCondLst>
+                        <p:cond delay="indefinite"/>
+                      </p:stCondLst>
+                      <p:childTnLst>
+                        <p:par>
+                          <p:cTn id="13" fill="hold">
+                            <p:stCondLst>
+                              <p:cond delay="0"/>
+                            </p:stCondLst>
+                            <p:childTnLst>
+                              <p:par>
+                                <p:cTn id="14" presetID="22" presetClass="entr" presetSubtype="4" fill="hold" nodeType="clickEffect">
+                                  <p:stCondLst>
+                                    <p:cond delay="0"/>
+                                  </p:stCondLst>
+                                  <p:childTnLst>
+                                    <p:set>
+                                      <p:cBhvr>
+                                        <p:cTn id="15" dur="1" fill="hold">
+                                          <p:stCondLst>
+                                            <p:cond delay="0"/>
+                                          </p:stCondLst>
+                                        </p:cTn>
+                                        <p:tgtEl>
+                                          <p:spTgt spid="4">
+                                            <p:txEl>
+                                              <p:pRg st="2" end="2"/>
+                                            </p:txEl>
+                                          </p:spTgt>
+                                        </p:tgtEl>
+                                        <p:attrNameLst>
+                                          <p:attrName>style.visibility</p:attrName>
+                                        </p:attrNameLst>
+                                      </p:cBhvr>
+                                      <p:to>
+                                        <p:strVal val="visible"/>
+                                      </p:to>
+                                    </p:set>
+                                    <p:animEffect transition="in" filter="wipe(down)">
+                                      <p:cBhvr>
+                                        <p:cTn id="16" dur="500"/>
+                                        <p:tgtEl>
+                                          <p:spTgt spid="4">
+                                            <p:txEl>
+                                              <p:pRg st="2" end="2"/>
+                                            </p:txEl>
+                                          </p:spTgt>
+                                        </p:tgtEl>
+                                      </p:cBhvr>
+                                    </p:animEffect>
+                                  </p:childTnLst>
+                                </p:cTn>
+                              </p:par>
+                            </p:childTnLst>
+                          </p:cTn>
+                        </p:par>
+                      </p:childTnLst>
+                    </p:cTn>
+                  </p:par>
+                  <p:par>
+                    <p:cTn id="17" fill="hold">
+                      <p:stCondLst>
+                        <p:cond delay="indefinite"/>
+                      </p:stCondLst>
+                      <p:childTnLst>
+                        <p:par>
+                          <p:cTn id="18" fill="hold">
+                            <p:stCondLst>
+                              <p:cond delay="0"/>
+                            </p:stCondLst>
+                            <p:childTnLst>
+                              <p:par>
+                                <p:cTn id="19" presetID="22" presetClass="entr" presetSubtype="4" fill="hold" nodeType="clickEffect">
+                                  <p:stCondLst>
+                                    <p:cond delay="0"/>
+                                  </p:stCondLst>
+                                  <p:childTnLst>
+                                    <p:set>
+                                      <p:cBhvr>
+                                        <p:cTn id="20" dur="1" fill="hold">
+                                          <p:stCondLst>
+                                            <p:cond delay="0"/>
+                                          </p:stCondLst>
+                                        </p:cTn>
+                                        <p:tgtEl>
+                                          <p:spTgt spid="4">
+                                            <p:txEl>
+                                              <p:pRg st="3" end="3"/>
+                                            </p:txEl>
+                                          </p:spTgt>
+                                        </p:tgtEl>
+                                        <p:attrNameLst>
+                                          <p:attrName>style.visibility</p:attrName>
+                                        </p:attrNameLst>
+                                      </p:cBhvr>
+                                      <p:to>
+                                        <p:strVal val="visible"/>
+                                      </p:to>
+                                    </p:set>
+                                    <p:animEffect transition="in" filter="wipe(down)">
+                                      <p:cBhvr>
+                                        <p:cTn id="21" dur="500"/>
+                                        <p:tgtEl>
+                                          <p:spTgt spid="4">
+                                            <p:txEl>
+                                              <p:pRg st="3" end="3"/>
+                                            </p:txEl>
+                                          </p:spTgt>
+                                        </p:tgtEl>
+                                      </p:cBhvr>
+                                    </p:animEffect>
+                                  </p:childTnLst>
+                                </p:cTn>
+                              </p:par>
+                            </p:childTnLst>
+                          </p:cTn>
+                        </p:par>
+                      </p:childTnLst>
+                    </p:cTn>
+                  </p:par>
+                  <p:par>
+                    <p:cTn id="22" fill="hold">
+                      <p:stCondLst>
+                        <p:cond delay="indefinite"/>
+                      </p:stCondLst>
+                      <p:childTnLst>
+                        <p:par>
+                          <p:cTn id="23" fill="hold">
+                            <p:stCondLst>
+                              <p:cond delay="0"/>
+                            </p:stCondLst>
+                            <p:childTnLst>
+                              <p:par>
+                                <p:cTn id="24" presetID="22" presetClass="entr" presetSubtype="4" fill="hold" nodeType="clickEffect">
+                                  <p:stCondLst>
+                                    <p:cond delay="0"/>
+                                  </p:stCondLst>
+                                  <p:childTnLst>
+                                    <p:set>
+                                      <p:cBhvr>
+                                        <p:cTn id="25" dur="1" fill="hold">
+                                          <p:stCondLst>
+                                            <p:cond delay="0"/>
+                                          </p:stCondLst>
+                                        </p:cTn>
+                                        <p:tgtEl>
+                                          <p:spTgt spid="4">
+                                            <p:txEl>
+                                              <p:pRg st="4" end="4"/>
+                                            </p:txEl>
+                                          </p:spTgt>
+                                        </p:tgtEl>
+                                        <p:attrNameLst>
+                                          <p:attrName>style.visibility</p:attrName>
+                                        </p:attrNameLst>
+                                      </p:cBhvr>
+                                      <p:to>
+                                        <p:strVal val="visible"/>
+                                      </p:to>
+                                    </p:set>
+                                    <p:animEffect transition="in" filter="wipe(down)">
+                                      <p:cBhvr>
+                                        <p:cTn id="26" dur="500"/>
+                                        <p:tgtEl>
+                                          <p:spTgt spid="4">
+                                            <p:txEl>
+                                              <p:pRg st="4" end="4"/>
+                                            </p:txEl>
+                                          </p:spTgt>
+                                        </p:tgtEl>
+                                      </p:cBhvr>
+                                    </p:animEffect>
+                                  </p:childTnLst>
+                                </p:cTn>
+                              </p:par>
+                            </p:childTnLst>
+                          </p:cTn>
+                        </p:par>
+                      </p:childTnLst>
+                    </p:cTn>
+                  </p:par>
+                  <p:par>
+                    <p:cTn id="27" fill="hold">
+                      <p:stCondLst>
+                        <p:cond delay="indefinite"/>
+                      </p:stCondLst>
+                      <p:childTnLst>
+                        <p:par>
+                          <p:cTn id="28" fill="hold">
+                            <p:stCondLst>
+                              <p:cond delay="0"/>
+                            </p:stCondLst>
+                            <p:childTnLst>
+                              <p:par>
+                                <p:cTn id="29" presetID="22" presetClass="entr" presetSubtype="4" fill="hold" nodeType="clickEffect">
+                                  <p:stCondLst>
+                                    <p:cond delay="0"/>
+                                  </p:stCondLst>
+                                  <p:childTnLst>
+                                    <p:set>
+                                      <p:cBhvr>
+                                        <p:cTn id="30" dur="1" fill="hold">
+                                          <p:stCondLst>
+                                            <p:cond delay="0"/>
+                                          </p:stCondLst>
+                                        </p:cTn>
+                                        <p:tgtEl>
+                                          <p:spTgt spid="4">
+                                            <p:txEl>
+                                              <p:pRg st="5" end="5"/>
+                                            </p:txEl>
+                                          </p:spTgt>
+                                        </p:tgtEl>
+                                        <p:attrNameLst>
+                                          <p:attrName>style.visibility</p:attrName>
+                                        </p:attrNameLst>
+                                      </p:cBhvr>
+                                      <p:to>
+                                        <p:strVal val="visible"/>
+                                      </p:to>
+                                    </p:set>
+                                    <p:animEffect transition="in" filter="wipe(down)">
+                                      <p:cBhvr>
+                                        <p:cTn id="31" dur="500"/>
+                                        <p:tgtEl>
+                                          <p:spTgt spid="4">
+                                            <p:txEl>
+                                              <p:pRg st="5" end="5"/>
+                                            </p:txEl>
+                                          </p:spTgt>
+                                        </p:tgtEl>
+                                      </p:cBhvr>
+                                    </p:animEffect>
+                                  </p:childTnLst>
+                                </p:cTn>
+                              </p:par>
+                            </p:childTnLst>
+                          </p:cTn>
+                        </p:par>
+                      </p:childTnLst>
+                    </p:cTn>
+                  </p:par>
+                  <p:par>
+                    <p:cTn id="32" fill="hold">
+                      <p:stCondLst>
+                        <p:cond delay="indefinite"/>
+                      </p:stCondLst>
+                      <p:childTnLst>
+                        <p:par>
+                          <p:cTn id="33" fill="hold">
+                            <p:stCondLst>
+                              <p:cond delay="0"/>
+                            </p:stCondLst>
+                            <p:childTnLst>
+                              <p:par>
+                                <p:cTn id="34" presetID="22" presetClass="entr" presetSubtype="4" fill="hold" nodeType="clickEffect">
+                                  <p:stCondLst>
+                                    <p:cond delay="0"/>
+                                  </p:stCondLst>
+                                  <p:childTnLst>
+                                    <p:set>
+                                      <p:cBhvr>
+                                        <p:cTn id="35" dur="1" fill="hold">
+                                          <p:stCondLst>
+                                            <p:cond delay="0"/>
+                                          </p:stCondLst>
+                                        </p:cTn>
+                                        <p:tgtEl>
+                                          <p:spTgt spid="4">
+                                            <p:txEl>
+                                              <p:pRg st="6" end="6"/>
+                                            </p:txEl>
+                                          </p:spTgt>
+                                        </p:tgtEl>
+                                        <p:attrNameLst>
+                                          <p:attrName>style.visibility</p:attrName>
+                                        </p:attrNameLst>
+                                      </p:cBhvr>
+                                      <p:to>
+                                        <p:strVal val="visible"/>
+                                      </p:to>
+                                    </p:set>
+                                    <p:animEffect transition="in" filter="wipe(down)">
+                                      <p:cBhvr>
+                                        <p:cTn id="36" dur="500"/>
+                                        <p:tgtEl>
+                                          <p:spTgt spid="4">
+                                            <p:txEl>
+                                              <p:pRg st="6" end="6"/>
+                                            </p:txEl>
+                                          </p:spTgt>
+                                        </p:tgtEl>
+                                      </p:cBhvr>
+                                    </p:animEffect>
+                                  </p:childTnLst>
+                                </p:cTn>
+                              </p:par>
+                            </p:childTnLst>
+                          </p:cTn>
+                        </p:par>
+                      </p:childTnLst>
+                    </p:cTn>
+                  </p:par>
+                  <p:par>
+                    <p:cTn id="37" fill="hold">
+                      <p:stCondLst>
+                        <p:cond delay="indefinite"/>
+                      </p:stCondLst>
+                      <p:childTnLst>
+                        <p:par>
+                          <p:cTn id="38" fill="hold">
+                            <p:stCondLst>
+                              <p:cond delay="0"/>
+                            </p:stCondLst>
+                            <p:childTnLst>
+                              <p:par>
+                                <p:cTn id="39" presetID="22" presetClass="entr" presetSubtype="4" fill="hold" nodeType="clickEffect">
+                                  <p:stCondLst>
+                                    <p:cond delay="0"/>
+                                  </p:stCondLst>
+                                  <p:childTnLst>
+                                    <p:set>
+                                      <p:cBhvr>
+                                        <p:cTn id="40" dur="1" fill="hold">
+                                          <p:stCondLst>
+                                            <p:cond delay="0"/>
+                                          </p:stCondLst>
+                                        </p:cTn>
+                                        <p:tgtEl>
+                                          <p:spTgt spid="4">
+                                            <p:txEl>
+                                              <p:pRg st="7" end="7"/>
+                                            </p:txEl>
+                                          </p:spTgt>
+                                        </p:tgtEl>
+                                        <p:attrNameLst>
+                                          <p:attrName>style.visibility</p:attrName>
+                                        </p:attrNameLst>
+                                      </p:cBhvr>
+                                      <p:to>
+                                        <p:strVal val="visible"/>
+                                      </p:to>
+                                    </p:set>
+                                    <p:animEffect transition="in" filter="wipe(down)">
+                                      <p:cBhvr>
+                                        <p:cTn id="41" dur="500"/>
+                                        <p:tgtEl>
+                                          <p:spTgt spid="4">
+                                            <p:txEl>
+                                              <p:pRg st="7" end="7"/>
+                                            </p:txEl>
+                                          </p:spTgt>
+                                        </p:tgtEl>
+                                      </p:cBhvr>
+                                    </p:animEffect>
+                                  </p:childTnLst>
+                                </p:cTn>
+                              </p:par>
+                            </p:childTnLst>
+                          </p:cTn>
+                        </p:par>
+                      </p:childTnLst>
+                    </p:cTn>
+                  </p:par>
+                </p:childTnLst>
+              </p:cTn>
+              <p:prevCondLst>
+                <p:cond evt="onPrev" delay="0">
+                  <p:tgtEl>
+                    <p:sldTgt/>
+                  </p:tgtEl>
+                </p:cond>
+              </p:prevCondLst>
+              <p:nextCondLst>
+                <p:cond evt="onNext" delay="0">
+                  <p:tgtEl>
+                    <p:sldTgt/>
+                  </p:tgtEl>
+                </p:cond>
+              </p:nextCondLst>
+            </p:seq>
+          </p:childTnLst>
+        </p:cTn>
+      </p:par>
+    </p:tnLst>
+  </p:timing>
 </p:sld>
 </file>
 
@@ -5026,10 +7406,10 @@
       </p:grpSpPr>
       <p:sp>
         <p:nvSpPr>
-          <p:cNvPr id="12" name="TextBox 11">
+          <p:cNvPr id="10" name="TextBox 9">
             <a:extLst>
               <a:ext uri="{FF2B5EF4-FFF2-40B4-BE49-F238E27FC236}">
-                <a16:creationId xmlns:a16="http://schemas.microsoft.com/office/drawing/2014/main" id="{B9CAB13B-64FD-4100-89A3-505607FC824E}"/>
+                <a16:creationId xmlns:a16="http://schemas.microsoft.com/office/drawing/2014/main" id="{12D1FCCC-45EC-4F83-8734-48E8FCAF6221}"/>
               </a:ext>
             </a:extLst>
           </p:cNvPr>
@@ -5038,7 +7418,7 @@
         </p:nvSpPr>
         <p:spPr>
           <a:xfrm>
-            <a:off x="641699" y="4264395"/>
+            <a:off x="641699" y="3802730"/>
             <a:ext cx="10908601" cy="923330"/>
           </a:xfrm>
           <a:prstGeom prst="rect">
@@ -5085,10 +7465,10 @@
       </p:sp>
       <p:pic>
         <p:nvPicPr>
-          <p:cNvPr id="6" name="Picture 5">
+          <p:cNvPr id="11" name="Picture 10">
             <a:extLst>
               <a:ext uri="{FF2B5EF4-FFF2-40B4-BE49-F238E27FC236}">
-                <a16:creationId xmlns:a16="http://schemas.microsoft.com/office/drawing/2014/main" id="{D903E16E-DC46-4032-B4C6-F7E66D665D04}"/>
+                <a16:creationId xmlns:a16="http://schemas.microsoft.com/office/drawing/2014/main" id="{89B096C8-1EC8-4EC5-9718-CFA2B72056E9}"/>
               </a:ext>
             </a:extLst>
           </p:cNvPr>
@@ -5106,7 +7486,7 @@
         <p:spPr>
           <a:xfrm>
             <a:off x="418602" y="838201"/>
-            <a:ext cx="11354783" cy="2895599"/>
+            <a:ext cx="11354783" cy="2407023"/>
           </a:xfrm>
           <a:prstGeom prst="rect">
             <a:avLst/>
@@ -5120,10 +7500,10 @@
       </p:pic>
       <p:sp>
         <p:nvSpPr>
-          <p:cNvPr id="9" name="Rectangle 8">
+          <p:cNvPr id="14" name="Rectangle 13">
             <a:extLst>
               <a:ext uri="{FF2B5EF4-FFF2-40B4-BE49-F238E27FC236}">
-                <a16:creationId xmlns:a16="http://schemas.microsoft.com/office/drawing/2014/main" id="{5D914ABC-BAE0-4883-A27F-34E99E86162D}"/>
+                <a16:creationId xmlns:a16="http://schemas.microsoft.com/office/drawing/2014/main" id="{20C0C49A-48C4-44DA-B05F-EC58DC57803F}"/>
               </a:ext>
             </a:extLst>
           </p:cNvPr>
@@ -5197,10 +7577,10 @@
       </p:sp>
       <p:sp>
         <p:nvSpPr>
-          <p:cNvPr id="7" name="Title 6">
+          <p:cNvPr id="15" name="Title 6">
             <a:extLst>
               <a:ext uri="{FF2B5EF4-FFF2-40B4-BE49-F238E27FC236}">
-                <a16:creationId xmlns:a16="http://schemas.microsoft.com/office/drawing/2014/main" id="{ADDD9776-65B7-40E9-A53A-21F979BF38D6}"/>
+                <a16:creationId xmlns:a16="http://schemas.microsoft.com/office/drawing/2014/main" id="{43D5AE13-6DD8-455B-BD12-A40325B50FB0}"/>
               </a:ext>
             </a:extLst>
           </p:cNvPr>
@@ -5235,13 +7615,238 @@
     </p:spTree>
     <p:extLst>
       <p:ext uri="{BB962C8B-B14F-4D97-AF65-F5344CB8AC3E}">
-        <p14:creationId xmlns:p14="http://schemas.microsoft.com/office/powerpoint/2010/main" val="4054727196"/>
+        <p14:creationId xmlns:p14="http://schemas.microsoft.com/office/powerpoint/2010/main" val="576110902"/>
       </p:ext>
     </p:extLst>
   </p:cSld>
   <p:clrMapOvr>
     <a:masterClrMapping/>
   </p:clrMapOvr>
+  <mc:AlternateContent xmlns:mc="http://schemas.openxmlformats.org/markup-compatibility/2006">
+    <mc:Choice xmlns:p159="http://schemas.microsoft.com/office/powerpoint/2015/09/main" Requires="p159">
+      <p:transition xmlns:p14="http://schemas.microsoft.com/office/powerpoint/2010/main" spd="slow" p14:dur="2000">
+        <p159:morph option="byObject"/>
+      </p:transition>
+    </mc:Choice>
+    <mc:Fallback>
+      <p:transition spd="slow">
+        <p:fade/>
+      </p:transition>
+    </mc:Fallback>
+  </mc:AlternateContent>
+  <p:timing>
+    <p:tnLst>
+      <p:par>
+        <p:cTn id="1" dur="indefinite" restart="never" nodeType="tmRoot">
+          <p:childTnLst>
+            <p:seq concurrent="1" nextAc="seek">
+              <p:cTn id="2" dur="indefinite" nodeType="mainSeq">
+                <p:childTnLst>
+                  <p:par>
+                    <p:cTn id="3" fill="hold">
+                      <p:stCondLst>
+                        <p:cond delay="indefinite"/>
+                      </p:stCondLst>
+                      <p:childTnLst>
+                        <p:par>
+                          <p:cTn id="4" fill="hold">
+                            <p:stCondLst>
+                              <p:cond delay="0"/>
+                            </p:stCondLst>
+                            <p:childTnLst>
+                              <p:par>
+                                <p:cTn id="5" presetID="22" presetClass="entr" presetSubtype="4" fill="hold" nodeType="clickEffect">
+                                  <p:stCondLst>
+                                    <p:cond delay="0"/>
+                                  </p:stCondLst>
+                                  <p:childTnLst>
+                                    <p:set>
+                                      <p:cBhvr>
+                                        <p:cTn id="6" dur="1" fill="hold">
+                                          <p:stCondLst>
+                                            <p:cond delay="0"/>
+                                          </p:stCondLst>
+                                        </p:cTn>
+                                        <p:tgtEl>
+                                          <p:spTgt spid="10">
+                                            <p:txEl>
+                                              <p:pRg st="0" end="0"/>
+                                            </p:txEl>
+                                          </p:spTgt>
+                                        </p:tgtEl>
+                                        <p:attrNameLst>
+                                          <p:attrName>style.visibility</p:attrName>
+                                        </p:attrNameLst>
+                                      </p:cBhvr>
+                                      <p:to>
+                                        <p:strVal val="visible"/>
+                                      </p:to>
+                                    </p:set>
+                                    <p:animEffect transition="in" filter="wipe(down)">
+                                      <p:cBhvr>
+                                        <p:cTn id="7" dur="500"/>
+                                        <p:tgtEl>
+                                          <p:spTgt spid="10">
+                                            <p:txEl>
+                                              <p:pRg st="0" end="0"/>
+                                            </p:txEl>
+                                          </p:spTgt>
+                                        </p:tgtEl>
+                                      </p:cBhvr>
+                                    </p:animEffect>
+                                  </p:childTnLst>
+                                </p:cTn>
+                              </p:par>
+                            </p:childTnLst>
+                          </p:cTn>
+                        </p:par>
+                      </p:childTnLst>
+                    </p:cTn>
+                  </p:par>
+                  <p:par>
+                    <p:cTn id="8" fill="hold">
+                      <p:stCondLst>
+                        <p:cond delay="indefinite"/>
+                      </p:stCondLst>
+                      <p:childTnLst>
+                        <p:par>
+                          <p:cTn id="9" fill="hold">
+                            <p:stCondLst>
+                              <p:cond delay="0"/>
+                            </p:stCondLst>
+                            <p:childTnLst>
+                              <p:par>
+                                <p:cTn id="10" presetID="22" presetClass="entr" presetSubtype="4" fill="hold" nodeType="clickEffect">
+                                  <p:stCondLst>
+                                    <p:cond delay="0"/>
+                                  </p:stCondLst>
+                                  <p:childTnLst>
+                                    <p:set>
+                                      <p:cBhvr>
+                                        <p:cTn id="11" dur="1" fill="hold">
+                                          <p:stCondLst>
+                                            <p:cond delay="0"/>
+                                          </p:stCondLst>
+                                        </p:cTn>
+                                        <p:tgtEl>
+                                          <p:spTgt spid="10">
+                                            <p:txEl>
+                                              <p:pRg st="1" end="1"/>
+                                            </p:txEl>
+                                          </p:spTgt>
+                                        </p:tgtEl>
+                                        <p:attrNameLst>
+                                          <p:attrName>style.visibility</p:attrName>
+                                        </p:attrNameLst>
+                                      </p:cBhvr>
+                                      <p:to>
+                                        <p:strVal val="visible"/>
+                                      </p:to>
+                                    </p:set>
+                                    <p:animEffect transition="in" filter="wipe(down)">
+                                      <p:cBhvr>
+                                        <p:cTn id="12" dur="500"/>
+                                        <p:tgtEl>
+                                          <p:spTgt spid="10">
+                                            <p:txEl>
+                                              <p:pRg st="1" end="1"/>
+                                            </p:txEl>
+                                          </p:spTgt>
+                                        </p:tgtEl>
+                                      </p:cBhvr>
+                                    </p:animEffect>
+                                  </p:childTnLst>
+                                </p:cTn>
+                              </p:par>
+                            </p:childTnLst>
+                          </p:cTn>
+                        </p:par>
+                      </p:childTnLst>
+                    </p:cTn>
+                  </p:par>
+                  <p:par>
+                    <p:cTn id="13" fill="hold">
+                      <p:stCondLst>
+                        <p:cond delay="indefinite"/>
+                      </p:stCondLst>
+                      <p:childTnLst>
+                        <p:par>
+                          <p:cTn id="14" fill="hold">
+                            <p:stCondLst>
+                              <p:cond delay="0"/>
+                            </p:stCondLst>
+                            <p:childTnLst>
+                              <p:par>
+                                <p:cTn id="15" presetID="22" presetClass="entr" presetSubtype="4" fill="hold" nodeType="clickEffect">
+                                  <p:stCondLst>
+                                    <p:cond delay="0"/>
+                                  </p:stCondLst>
+                                  <p:childTnLst>
+                                    <p:set>
+                                      <p:cBhvr>
+                                        <p:cTn id="16" dur="1" fill="hold">
+                                          <p:stCondLst>
+                                            <p:cond delay="0"/>
+                                          </p:stCondLst>
+                                        </p:cTn>
+                                        <p:tgtEl>
+                                          <p:spTgt spid="10">
+                                            <p:txEl>
+                                              <p:pRg st="2" end="2"/>
+                                            </p:txEl>
+                                          </p:spTgt>
+                                        </p:tgtEl>
+                                        <p:attrNameLst>
+                                          <p:attrName>style.visibility</p:attrName>
+                                        </p:attrNameLst>
+                                      </p:cBhvr>
+                                      <p:to>
+                                        <p:strVal val="visible"/>
+                                      </p:to>
+                                    </p:set>
+                                    <p:animEffect transition="in" filter="wipe(down)">
+                                      <p:cBhvr>
+                                        <p:cTn id="17" dur="500"/>
+                                        <p:tgtEl>
+                                          <p:spTgt spid="10">
+                                            <p:txEl>
+                                              <p:pRg st="2" end="2"/>
+                                            </p:txEl>
+                                          </p:spTgt>
+                                        </p:tgtEl>
+                                      </p:cBhvr>
+                                    </p:animEffect>
+                                  </p:childTnLst>
+                                </p:cTn>
+                              </p:par>
+                            </p:childTnLst>
+                          </p:cTn>
+                        </p:par>
+                      </p:childTnLst>
+                    </p:cTn>
+                  </p:par>
+                </p:childTnLst>
+              </p:cTn>
+              <p:prevCondLst>
+                <p:cond evt="onPrev" delay="0">
+                  <p:tgtEl>
+                    <p:sldTgt/>
+                  </p:tgtEl>
+                </p:cond>
+              </p:prevCondLst>
+              <p:nextCondLst>
+                <p:cond evt="onNext" delay="0">
+                  <p:tgtEl>
+                    <p:sldTgt/>
+                  </p:tgtEl>
+                </p:cond>
+              </p:nextCondLst>
+            </p:seq>
+          </p:childTnLst>
+        </p:cTn>
+      </p:par>
+    </p:tnLst>
+  </p:timing>
 </p:sld>
 </file>
 
@@ -5276,7 +7881,7 @@
         </p:nvSpPr>
         <p:spPr>
           <a:xfrm>
-            <a:off x="641694" y="4178670"/>
+            <a:off x="641692" y="3846976"/>
             <a:ext cx="10908601" cy="923330"/>
           </a:xfrm>
           <a:prstGeom prst="rect">
@@ -5472,13 +8077,238 @@
     </p:spTree>
     <p:extLst>
       <p:ext uri="{BB962C8B-B14F-4D97-AF65-F5344CB8AC3E}">
-        <p14:creationId xmlns:p14="http://schemas.microsoft.com/office/powerpoint/2010/main" val="576110902"/>
+        <p14:creationId xmlns:p14="http://schemas.microsoft.com/office/powerpoint/2010/main" val="2913771096"/>
       </p:ext>
     </p:extLst>
   </p:cSld>
   <p:clrMapOvr>
     <a:masterClrMapping/>
   </p:clrMapOvr>
+  <mc:AlternateContent xmlns:mc="http://schemas.openxmlformats.org/markup-compatibility/2006">
+    <mc:Choice xmlns:p159="http://schemas.microsoft.com/office/powerpoint/2015/09/main" Requires="p159">
+      <p:transition xmlns:p14="http://schemas.microsoft.com/office/powerpoint/2010/main" spd="slow" p14:dur="2000">
+        <p159:morph option="byObject"/>
+      </p:transition>
+    </mc:Choice>
+    <mc:Fallback>
+      <p:transition spd="slow">
+        <p:fade/>
+      </p:transition>
+    </mc:Fallback>
+  </mc:AlternateContent>
+  <p:timing>
+    <p:tnLst>
+      <p:par>
+        <p:cTn id="1" dur="indefinite" restart="never" nodeType="tmRoot">
+          <p:childTnLst>
+            <p:seq concurrent="1" nextAc="seek">
+              <p:cTn id="2" dur="indefinite" nodeType="mainSeq">
+                <p:childTnLst>
+                  <p:par>
+                    <p:cTn id="3" fill="hold">
+                      <p:stCondLst>
+                        <p:cond delay="indefinite"/>
+                      </p:stCondLst>
+                      <p:childTnLst>
+                        <p:par>
+                          <p:cTn id="4" fill="hold">
+                            <p:stCondLst>
+                              <p:cond delay="0"/>
+                            </p:stCondLst>
+                            <p:childTnLst>
+                              <p:par>
+                                <p:cTn id="5" presetID="22" presetClass="entr" presetSubtype="4" fill="hold" nodeType="clickEffect">
+                                  <p:stCondLst>
+                                    <p:cond delay="0"/>
+                                  </p:stCondLst>
+                                  <p:childTnLst>
+                                    <p:set>
+                                      <p:cBhvr>
+                                        <p:cTn id="6" dur="1" fill="hold">
+                                          <p:stCondLst>
+                                            <p:cond delay="0"/>
+                                          </p:stCondLst>
+                                        </p:cTn>
+                                        <p:tgtEl>
+                                          <p:spTgt spid="8">
+                                            <p:txEl>
+                                              <p:pRg st="0" end="0"/>
+                                            </p:txEl>
+                                          </p:spTgt>
+                                        </p:tgtEl>
+                                        <p:attrNameLst>
+                                          <p:attrName>style.visibility</p:attrName>
+                                        </p:attrNameLst>
+                                      </p:cBhvr>
+                                      <p:to>
+                                        <p:strVal val="visible"/>
+                                      </p:to>
+                                    </p:set>
+                                    <p:animEffect transition="in" filter="wipe(down)">
+                                      <p:cBhvr>
+                                        <p:cTn id="7" dur="500"/>
+                                        <p:tgtEl>
+                                          <p:spTgt spid="8">
+                                            <p:txEl>
+                                              <p:pRg st="0" end="0"/>
+                                            </p:txEl>
+                                          </p:spTgt>
+                                        </p:tgtEl>
+                                      </p:cBhvr>
+                                    </p:animEffect>
+                                  </p:childTnLst>
+                                </p:cTn>
+                              </p:par>
+                            </p:childTnLst>
+                          </p:cTn>
+                        </p:par>
+                      </p:childTnLst>
+                    </p:cTn>
+                  </p:par>
+                  <p:par>
+                    <p:cTn id="8" fill="hold">
+                      <p:stCondLst>
+                        <p:cond delay="indefinite"/>
+                      </p:stCondLst>
+                      <p:childTnLst>
+                        <p:par>
+                          <p:cTn id="9" fill="hold">
+                            <p:stCondLst>
+                              <p:cond delay="0"/>
+                            </p:stCondLst>
+                            <p:childTnLst>
+                              <p:par>
+                                <p:cTn id="10" presetID="22" presetClass="entr" presetSubtype="4" fill="hold" nodeType="clickEffect">
+                                  <p:stCondLst>
+                                    <p:cond delay="0"/>
+                                  </p:stCondLst>
+                                  <p:childTnLst>
+                                    <p:set>
+                                      <p:cBhvr>
+                                        <p:cTn id="11" dur="1" fill="hold">
+                                          <p:stCondLst>
+                                            <p:cond delay="0"/>
+                                          </p:stCondLst>
+                                        </p:cTn>
+                                        <p:tgtEl>
+                                          <p:spTgt spid="8">
+                                            <p:txEl>
+                                              <p:pRg st="1" end="1"/>
+                                            </p:txEl>
+                                          </p:spTgt>
+                                        </p:tgtEl>
+                                        <p:attrNameLst>
+                                          <p:attrName>style.visibility</p:attrName>
+                                        </p:attrNameLst>
+                                      </p:cBhvr>
+                                      <p:to>
+                                        <p:strVal val="visible"/>
+                                      </p:to>
+                                    </p:set>
+                                    <p:animEffect transition="in" filter="wipe(down)">
+                                      <p:cBhvr>
+                                        <p:cTn id="12" dur="500"/>
+                                        <p:tgtEl>
+                                          <p:spTgt spid="8">
+                                            <p:txEl>
+                                              <p:pRg st="1" end="1"/>
+                                            </p:txEl>
+                                          </p:spTgt>
+                                        </p:tgtEl>
+                                      </p:cBhvr>
+                                    </p:animEffect>
+                                  </p:childTnLst>
+                                </p:cTn>
+                              </p:par>
+                            </p:childTnLst>
+                          </p:cTn>
+                        </p:par>
+                      </p:childTnLst>
+                    </p:cTn>
+                  </p:par>
+                  <p:par>
+                    <p:cTn id="13" fill="hold">
+                      <p:stCondLst>
+                        <p:cond delay="indefinite"/>
+                      </p:stCondLst>
+                      <p:childTnLst>
+                        <p:par>
+                          <p:cTn id="14" fill="hold">
+                            <p:stCondLst>
+                              <p:cond delay="0"/>
+                            </p:stCondLst>
+                            <p:childTnLst>
+                              <p:par>
+                                <p:cTn id="15" presetID="22" presetClass="entr" presetSubtype="4" fill="hold" nodeType="clickEffect">
+                                  <p:stCondLst>
+                                    <p:cond delay="0"/>
+                                  </p:stCondLst>
+                                  <p:childTnLst>
+                                    <p:set>
+                                      <p:cBhvr>
+                                        <p:cTn id="16" dur="1" fill="hold">
+                                          <p:stCondLst>
+                                            <p:cond delay="0"/>
+                                          </p:stCondLst>
+                                        </p:cTn>
+                                        <p:tgtEl>
+                                          <p:spTgt spid="8">
+                                            <p:txEl>
+                                              <p:pRg st="2" end="2"/>
+                                            </p:txEl>
+                                          </p:spTgt>
+                                        </p:tgtEl>
+                                        <p:attrNameLst>
+                                          <p:attrName>style.visibility</p:attrName>
+                                        </p:attrNameLst>
+                                      </p:cBhvr>
+                                      <p:to>
+                                        <p:strVal val="visible"/>
+                                      </p:to>
+                                    </p:set>
+                                    <p:animEffect transition="in" filter="wipe(down)">
+                                      <p:cBhvr>
+                                        <p:cTn id="17" dur="500"/>
+                                        <p:tgtEl>
+                                          <p:spTgt spid="8">
+                                            <p:txEl>
+                                              <p:pRg st="2" end="2"/>
+                                            </p:txEl>
+                                          </p:spTgt>
+                                        </p:tgtEl>
+                                      </p:cBhvr>
+                                    </p:animEffect>
+                                  </p:childTnLst>
+                                </p:cTn>
+                              </p:par>
+                            </p:childTnLst>
+                          </p:cTn>
+                        </p:par>
+                      </p:childTnLst>
+                    </p:cTn>
+                  </p:par>
+                </p:childTnLst>
+              </p:cTn>
+              <p:prevCondLst>
+                <p:cond evt="onPrev" delay="0">
+                  <p:tgtEl>
+                    <p:sldTgt/>
+                  </p:tgtEl>
+                </p:cond>
+              </p:prevCondLst>
+              <p:nextCondLst>
+                <p:cond evt="onNext" delay="0">
+                  <p:tgtEl>
+                    <p:sldTgt/>
+                  </p:tgtEl>
+                </p:cond>
+              </p:nextCondLst>
+            </p:seq>
+          </p:childTnLst>
+        </p:cTn>
+      </p:par>
+    </p:tnLst>
+  </p:timing>
 </p:sld>
 </file>
 
@@ -5513,7 +8343,7 @@
         </p:nvSpPr>
         <p:spPr>
           <a:xfrm>
-            <a:off x="641694" y="4169145"/>
+            <a:off x="641692" y="3801592"/>
             <a:ext cx="10908601" cy="923330"/>
           </a:xfrm>
           <a:prstGeom prst="rect">
@@ -5717,6 +8547,231 @@
   <p:clrMapOvr>
     <a:masterClrMapping/>
   </p:clrMapOvr>
+  <mc:AlternateContent xmlns:mc="http://schemas.openxmlformats.org/markup-compatibility/2006">
+    <mc:Choice xmlns:p159="http://schemas.microsoft.com/office/powerpoint/2015/09/main" Requires="p159">
+      <p:transition xmlns:p14="http://schemas.microsoft.com/office/powerpoint/2010/main" spd="slow" p14:dur="2000">
+        <p159:morph option="byObject"/>
+      </p:transition>
+    </mc:Choice>
+    <mc:Fallback>
+      <p:transition spd="slow">
+        <p:fade/>
+      </p:transition>
+    </mc:Fallback>
+  </mc:AlternateContent>
+  <p:timing>
+    <p:tnLst>
+      <p:par>
+        <p:cTn id="1" dur="indefinite" restart="never" nodeType="tmRoot">
+          <p:childTnLst>
+            <p:seq concurrent="1" nextAc="seek">
+              <p:cTn id="2" dur="indefinite" nodeType="mainSeq">
+                <p:childTnLst>
+                  <p:par>
+                    <p:cTn id="3" fill="hold">
+                      <p:stCondLst>
+                        <p:cond delay="indefinite"/>
+                      </p:stCondLst>
+                      <p:childTnLst>
+                        <p:par>
+                          <p:cTn id="4" fill="hold">
+                            <p:stCondLst>
+                              <p:cond delay="0"/>
+                            </p:stCondLst>
+                            <p:childTnLst>
+                              <p:par>
+                                <p:cTn id="5" presetID="22" presetClass="entr" presetSubtype="4" fill="hold" nodeType="clickEffect">
+                                  <p:stCondLst>
+                                    <p:cond delay="0"/>
+                                  </p:stCondLst>
+                                  <p:childTnLst>
+                                    <p:set>
+                                      <p:cBhvr>
+                                        <p:cTn id="6" dur="1" fill="hold">
+                                          <p:stCondLst>
+                                            <p:cond delay="0"/>
+                                          </p:stCondLst>
+                                        </p:cTn>
+                                        <p:tgtEl>
+                                          <p:spTgt spid="8">
+                                            <p:txEl>
+                                              <p:pRg st="0" end="0"/>
+                                            </p:txEl>
+                                          </p:spTgt>
+                                        </p:tgtEl>
+                                        <p:attrNameLst>
+                                          <p:attrName>style.visibility</p:attrName>
+                                        </p:attrNameLst>
+                                      </p:cBhvr>
+                                      <p:to>
+                                        <p:strVal val="visible"/>
+                                      </p:to>
+                                    </p:set>
+                                    <p:animEffect transition="in" filter="wipe(down)">
+                                      <p:cBhvr>
+                                        <p:cTn id="7" dur="500"/>
+                                        <p:tgtEl>
+                                          <p:spTgt spid="8">
+                                            <p:txEl>
+                                              <p:pRg st="0" end="0"/>
+                                            </p:txEl>
+                                          </p:spTgt>
+                                        </p:tgtEl>
+                                      </p:cBhvr>
+                                    </p:animEffect>
+                                  </p:childTnLst>
+                                </p:cTn>
+                              </p:par>
+                            </p:childTnLst>
+                          </p:cTn>
+                        </p:par>
+                      </p:childTnLst>
+                    </p:cTn>
+                  </p:par>
+                  <p:par>
+                    <p:cTn id="8" fill="hold">
+                      <p:stCondLst>
+                        <p:cond delay="indefinite"/>
+                      </p:stCondLst>
+                      <p:childTnLst>
+                        <p:par>
+                          <p:cTn id="9" fill="hold">
+                            <p:stCondLst>
+                              <p:cond delay="0"/>
+                            </p:stCondLst>
+                            <p:childTnLst>
+                              <p:par>
+                                <p:cTn id="10" presetID="22" presetClass="entr" presetSubtype="4" fill="hold" nodeType="clickEffect">
+                                  <p:stCondLst>
+                                    <p:cond delay="0"/>
+                                  </p:stCondLst>
+                                  <p:childTnLst>
+                                    <p:set>
+                                      <p:cBhvr>
+                                        <p:cTn id="11" dur="1" fill="hold">
+                                          <p:stCondLst>
+                                            <p:cond delay="0"/>
+                                          </p:stCondLst>
+                                        </p:cTn>
+                                        <p:tgtEl>
+                                          <p:spTgt spid="8">
+                                            <p:txEl>
+                                              <p:pRg st="1" end="1"/>
+                                            </p:txEl>
+                                          </p:spTgt>
+                                        </p:tgtEl>
+                                        <p:attrNameLst>
+                                          <p:attrName>style.visibility</p:attrName>
+                                        </p:attrNameLst>
+                                      </p:cBhvr>
+                                      <p:to>
+                                        <p:strVal val="visible"/>
+                                      </p:to>
+                                    </p:set>
+                                    <p:animEffect transition="in" filter="wipe(down)">
+                                      <p:cBhvr>
+                                        <p:cTn id="12" dur="500"/>
+                                        <p:tgtEl>
+                                          <p:spTgt spid="8">
+                                            <p:txEl>
+                                              <p:pRg st="1" end="1"/>
+                                            </p:txEl>
+                                          </p:spTgt>
+                                        </p:tgtEl>
+                                      </p:cBhvr>
+                                    </p:animEffect>
+                                  </p:childTnLst>
+                                </p:cTn>
+                              </p:par>
+                            </p:childTnLst>
+                          </p:cTn>
+                        </p:par>
+                      </p:childTnLst>
+                    </p:cTn>
+                  </p:par>
+                  <p:par>
+                    <p:cTn id="13" fill="hold">
+                      <p:stCondLst>
+                        <p:cond delay="indefinite"/>
+                      </p:stCondLst>
+                      <p:childTnLst>
+                        <p:par>
+                          <p:cTn id="14" fill="hold">
+                            <p:stCondLst>
+                              <p:cond delay="0"/>
+                            </p:stCondLst>
+                            <p:childTnLst>
+                              <p:par>
+                                <p:cTn id="15" presetID="22" presetClass="entr" presetSubtype="4" fill="hold" nodeType="clickEffect">
+                                  <p:stCondLst>
+                                    <p:cond delay="0"/>
+                                  </p:stCondLst>
+                                  <p:childTnLst>
+                                    <p:set>
+                                      <p:cBhvr>
+                                        <p:cTn id="16" dur="1" fill="hold">
+                                          <p:stCondLst>
+                                            <p:cond delay="0"/>
+                                          </p:stCondLst>
+                                        </p:cTn>
+                                        <p:tgtEl>
+                                          <p:spTgt spid="8">
+                                            <p:txEl>
+                                              <p:pRg st="2" end="2"/>
+                                            </p:txEl>
+                                          </p:spTgt>
+                                        </p:tgtEl>
+                                        <p:attrNameLst>
+                                          <p:attrName>style.visibility</p:attrName>
+                                        </p:attrNameLst>
+                                      </p:cBhvr>
+                                      <p:to>
+                                        <p:strVal val="visible"/>
+                                      </p:to>
+                                    </p:set>
+                                    <p:animEffect transition="in" filter="wipe(down)">
+                                      <p:cBhvr>
+                                        <p:cTn id="17" dur="500"/>
+                                        <p:tgtEl>
+                                          <p:spTgt spid="8">
+                                            <p:txEl>
+                                              <p:pRg st="2" end="2"/>
+                                            </p:txEl>
+                                          </p:spTgt>
+                                        </p:tgtEl>
+                                      </p:cBhvr>
+                                    </p:animEffect>
+                                  </p:childTnLst>
+                                </p:cTn>
+                              </p:par>
+                            </p:childTnLst>
+                          </p:cTn>
+                        </p:par>
+                      </p:childTnLst>
+                    </p:cTn>
+                  </p:par>
+                </p:childTnLst>
+              </p:cTn>
+              <p:prevCondLst>
+                <p:cond evt="onPrev" delay="0">
+                  <p:tgtEl>
+                    <p:sldTgt/>
+                  </p:tgtEl>
+                </p:cond>
+              </p:prevCondLst>
+              <p:nextCondLst>
+                <p:cond evt="onNext" delay="0">
+                  <p:tgtEl>
+                    <p:sldTgt/>
+                  </p:tgtEl>
+                </p:cond>
+              </p:nextCondLst>
+            </p:seq>
+          </p:childTnLst>
+        </p:cTn>
+      </p:par>
+    </p:tnLst>
+  </p:timing>
 </p:sld>
 </file>
 
@@ -5751,7 +8806,7 @@
         </p:nvSpPr>
         <p:spPr>
           <a:xfrm>
-            <a:off x="641694" y="4169145"/>
+            <a:off x="641692" y="3747804"/>
             <a:ext cx="10908601" cy="923330"/>
           </a:xfrm>
           <a:prstGeom prst="rect">
@@ -5955,6 +9010,231 @@
   <p:clrMapOvr>
     <a:masterClrMapping/>
   </p:clrMapOvr>
+  <mc:AlternateContent xmlns:mc="http://schemas.openxmlformats.org/markup-compatibility/2006">
+    <mc:Choice xmlns:p159="http://schemas.microsoft.com/office/powerpoint/2015/09/main" Requires="p159">
+      <p:transition xmlns:p14="http://schemas.microsoft.com/office/powerpoint/2010/main" spd="slow" p14:dur="2000">
+        <p159:morph option="byObject"/>
+      </p:transition>
+    </mc:Choice>
+    <mc:Fallback>
+      <p:transition spd="slow">
+        <p:fade/>
+      </p:transition>
+    </mc:Fallback>
+  </mc:AlternateContent>
+  <p:timing>
+    <p:tnLst>
+      <p:par>
+        <p:cTn id="1" dur="indefinite" restart="never" nodeType="tmRoot">
+          <p:childTnLst>
+            <p:seq concurrent="1" nextAc="seek">
+              <p:cTn id="2" dur="indefinite" nodeType="mainSeq">
+                <p:childTnLst>
+                  <p:par>
+                    <p:cTn id="3" fill="hold">
+                      <p:stCondLst>
+                        <p:cond delay="indefinite"/>
+                      </p:stCondLst>
+                      <p:childTnLst>
+                        <p:par>
+                          <p:cTn id="4" fill="hold">
+                            <p:stCondLst>
+                              <p:cond delay="0"/>
+                            </p:stCondLst>
+                            <p:childTnLst>
+                              <p:par>
+                                <p:cTn id="5" presetID="22" presetClass="entr" presetSubtype="4" fill="hold" nodeType="clickEffect">
+                                  <p:stCondLst>
+                                    <p:cond delay="0"/>
+                                  </p:stCondLst>
+                                  <p:childTnLst>
+                                    <p:set>
+                                      <p:cBhvr>
+                                        <p:cTn id="6" dur="1" fill="hold">
+                                          <p:stCondLst>
+                                            <p:cond delay="0"/>
+                                          </p:stCondLst>
+                                        </p:cTn>
+                                        <p:tgtEl>
+                                          <p:spTgt spid="8">
+                                            <p:txEl>
+                                              <p:pRg st="0" end="0"/>
+                                            </p:txEl>
+                                          </p:spTgt>
+                                        </p:tgtEl>
+                                        <p:attrNameLst>
+                                          <p:attrName>style.visibility</p:attrName>
+                                        </p:attrNameLst>
+                                      </p:cBhvr>
+                                      <p:to>
+                                        <p:strVal val="visible"/>
+                                      </p:to>
+                                    </p:set>
+                                    <p:animEffect transition="in" filter="wipe(down)">
+                                      <p:cBhvr>
+                                        <p:cTn id="7" dur="500"/>
+                                        <p:tgtEl>
+                                          <p:spTgt spid="8">
+                                            <p:txEl>
+                                              <p:pRg st="0" end="0"/>
+                                            </p:txEl>
+                                          </p:spTgt>
+                                        </p:tgtEl>
+                                      </p:cBhvr>
+                                    </p:animEffect>
+                                  </p:childTnLst>
+                                </p:cTn>
+                              </p:par>
+                            </p:childTnLst>
+                          </p:cTn>
+                        </p:par>
+                      </p:childTnLst>
+                    </p:cTn>
+                  </p:par>
+                  <p:par>
+                    <p:cTn id="8" fill="hold">
+                      <p:stCondLst>
+                        <p:cond delay="indefinite"/>
+                      </p:stCondLst>
+                      <p:childTnLst>
+                        <p:par>
+                          <p:cTn id="9" fill="hold">
+                            <p:stCondLst>
+                              <p:cond delay="0"/>
+                            </p:stCondLst>
+                            <p:childTnLst>
+                              <p:par>
+                                <p:cTn id="10" presetID="22" presetClass="entr" presetSubtype="4" fill="hold" nodeType="clickEffect">
+                                  <p:stCondLst>
+                                    <p:cond delay="0"/>
+                                  </p:stCondLst>
+                                  <p:childTnLst>
+                                    <p:set>
+                                      <p:cBhvr>
+                                        <p:cTn id="11" dur="1" fill="hold">
+                                          <p:stCondLst>
+                                            <p:cond delay="0"/>
+                                          </p:stCondLst>
+                                        </p:cTn>
+                                        <p:tgtEl>
+                                          <p:spTgt spid="8">
+                                            <p:txEl>
+                                              <p:pRg st="1" end="1"/>
+                                            </p:txEl>
+                                          </p:spTgt>
+                                        </p:tgtEl>
+                                        <p:attrNameLst>
+                                          <p:attrName>style.visibility</p:attrName>
+                                        </p:attrNameLst>
+                                      </p:cBhvr>
+                                      <p:to>
+                                        <p:strVal val="visible"/>
+                                      </p:to>
+                                    </p:set>
+                                    <p:animEffect transition="in" filter="wipe(down)">
+                                      <p:cBhvr>
+                                        <p:cTn id="12" dur="500"/>
+                                        <p:tgtEl>
+                                          <p:spTgt spid="8">
+                                            <p:txEl>
+                                              <p:pRg st="1" end="1"/>
+                                            </p:txEl>
+                                          </p:spTgt>
+                                        </p:tgtEl>
+                                      </p:cBhvr>
+                                    </p:animEffect>
+                                  </p:childTnLst>
+                                </p:cTn>
+                              </p:par>
+                            </p:childTnLst>
+                          </p:cTn>
+                        </p:par>
+                      </p:childTnLst>
+                    </p:cTn>
+                  </p:par>
+                  <p:par>
+                    <p:cTn id="13" fill="hold">
+                      <p:stCondLst>
+                        <p:cond delay="indefinite"/>
+                      </p:stCondLst>
+                      <p:childTnLst>
+                        <p:par>
+                          <p:cTn id="14" fill="hold">
+                            <p:stCondLst>
+                              <p:cond delay="0"/>
+                            </p:stCondLst>
+                            <p:childTnLst>
+                              <p:par>
+                                <p:cTn id="15" presetID="22" presetClass="entr" presetSubtype="4" fill="hold" nodeType="clickEffect">
+                                  <p:stCondLst>
+                                    <p:cond delay="0"/>
+                                  </p:stCondLst>
+                                  <p:childTnLst>
+                                    <p:set>
+                                      <p:cBhvr>
+                                        <p:cTn id="16" dur="1" fill="hold">
+                                          <p:stCondLst>
+                                            <p:cond delay="0"/>
+                                          </p:stCondLst>
+                                        </p:cTn>
+                                        <p:tgtEl>
+                                          <p:spTgt spid="8">
+                                            <p:txEl>
+                                              <p:pRg st="2" end="2"/>
+                                            </p:txEl>
+                                          </p:spTgt>
+                                        </p:tgtEl>
+                                        <p:attrNameLst>
+                                          <p:attrName>style.visibility</p:attrName>
+                                        </p:attrNameLst>
+                                      </p:cBhvr>
+                                      <p:to>
+                                        <p:strVal val="visible"/>
+                                      </p:to>
+                                    </p:set>
+                                    <p:animEffect transition="in" filter="wipe(down)">
+                                      <p:cBhvr>
+                                        <p:cTn id="17" dur="500"/>
+                                        <p:tgtEl>
+                                          <p:spTgt spid="8">
+                                            <p:txEl>
+                                              <p:pRg st="2" end="2"/>
+                                            </p:txEl>
+                                          </p:spTgt>
+                                        </p:tgtEl>
+                                      </p:cBhvr>
+                                    </p:animEffect>
+                                  </p:childTnLst>
+                                </p:cTn>
+                              </p:par>
+                            </p:childTnLst>
+                          </p:cTn>
+                        </p:par>
+                      </p:childTnLst>
+                    </p:cTn>
+                  </p:par>
+                </p:childTnLst>
+              </p:cTn>
+              <p:prevCondLst>
+                <p:cond evt="onPrev" delay="0">
+                  <p:tgtEl>
+                    <p:sldTgt/>
+                  </p:tgtEl>
+                </p:cond>
+              </p:prevCondLst>
+              <p:nextCondLst>
+                <p:cond evt="onNext" delay="0">
+                  <p:tgtEl>
+                    <p:sldTgt/>
+                  </p:tgtEl>
+                </p:cond>
+              </p:nextCondLst>
+            </p:seq>
+          </p:childTnLst>
+        </p:cTn>
+      </p:par>
+    </p:tnLst>
+  </p:timing>
 </p:sld>
 </file>
 
@@ -6172,6 +9452,109 @@
   <p:clrMapOvr>
     <a:masterClrMapping/>
   </p:clrMapOvr>
+  <mc:AlternateContent xmlns:mc="http://schemas.openxmlformats.org/markup-compatibility/2006">
+    <mc:Choice xmlns:p159="http://schemas.microsoft.com/office/powerpoint/2015/09/main" Requires="p159">
+      <p:transition xmlns:p14="http://schemas.microsoft.com/office/powerpoint/2010/main" spd="slow" p14:dur="2000">
+        <p159:morph option="byObject"/>
+      </p:transition>
+    </mc:Choice>
+    <mc:Fallback>
+      <p:transition spd="slow">
+        <p:fade/>
+      </p:transition>
+    </mc:Fallback>
+  </mc:AlternateContent>
+  <p:timing>
+    <p:tnLst>
+      <p:par>
+        <p:cTn id="1" dur="indefinite" restart="never" nodeType="tmRoot">
+          <p:childTnLst>
+            <p:seq concurrent="1" nextAc="seek">
+              <p:cTn id="2" dur="indefinite" nodeType="mainSeq">
+                <p:childTnLst>
+                  <p:par>
+                    <p:cTn id="3" fill="hold">
+                      <p:stCondLst>
+                        <p:cond delay="indefinite"/>
+                      </p:stCondLst>
+                      <p:childTnLst>
+                        <p:par>
+                          <p:cTn id="4" fill="hold">
+                            <p:stCondLst>
+                              <p:cond delay="0"/>
+                            </p:stCondLst>
+                            <p:childTnLst>
+                              <p:par>
+                                <p:cTn id="5" presetID="22" presetClass="entr" presetSubtype="4" fill="hold" nodeType="clickEffect">
+                                  <p:stCondLst>
+                                    <p:cond delay="0"/>
+                                  </p:stCondLst>
+                                  <p:childTnLst>
+                                    <p:set>
+                                      <p:cBhvr>
+                                        <p:cTn id="6" dur="1" fill="hold">
+                                          <p:stCondLst>
+                                            <p:cond delay="0"/>
+                                          </p:stCondLst>
+                                        </p:cTn>
+                                        <p:tgtEl>
+                                          <p:spTgt spid="8">
+                                            <p:txEl>
+                                              <p:pRg st="0" end="0"/>
+                                            </p:txEl>
+                                          </p:spTgt>
+                                        </p:tgtEl>
+                                        <p:attrNameLst>
+                                          <p:attrName>style.visibility</p:attrName>
+                                        </p:attrNameLst>
+                                      </p:cBhvr>
+                                      <p:to>
+                                        <p:strVal val="visible"/>
+                                      </p:to>
+                                    </p:set>
+                                    <p:animEffect transition="in" filter="wipe(down)">
+                                      <p:cBhvr>
+                                        <p:cTn id="7" dur="500"/>
+                                        <p:tgtEl>
+                                          <p:spTgt spid="8">
+                                            <p:txEl>
+                                              <p:pRg st="0" end="0"/>
+                                            </p:txEl>
+                                          </p:spTgt>
+                                        </p:tgtEl>
+                                      </p:cBhvr>
+                                    </p:animEffect>
+                                  </p:childTnLst>
+                                </p:cTn>
+                              </p:par>
+                            </p:childTnLst>
+                          </p:cTn>
+                        </p:par>
+                      </p:childTnLst>
+                    </p:cTn>
+                  </p:par>
+                </p:childTnLst>
+              </p:cTn>
+              <p:prevCondLst>
+                <p:cond evt="onPrev" delay="0">
+                  <p:tgtEl>
+                    <p:sldTgt/>
+                  </p:tgtEl>
+                </p:cond>
+              </p:prevCondLst>
+              <p:nextCondLst>
+                <p:cond evt="onNext" delay="0">
+                  <p:tgtEl>
+                    <p:sldTgt/>
+                  </p:tgtEl>
+                </p:cond>
+              </p:nextCondLst>
+            </p:seq>
+          </p:childTnLst>
+        </p:cTn>
+      </p:par>
+    </p:tnLst>
+  </p:timing>
 </p:sld>
 </file>
 
@@ -6206,7 +9589,7 @@
         </p:nvSpPr>
         <p:spPr>
           <a:xfrm>
-            <a:off x="641694" y="4178670"/>
+            <a:off x="641692" y="3802152"/>
             <a:ext cx="10908601" cy="1200329"/>
           </a:xfrm>
           <a:prstGeom prst="rect">
@@ -6409,6 +9792,231 @@
   <p:clrMapOvr>
     <a:masterClrMapping/>
   </p:clrMapOvr>
+  <mc:AlternateContent xmlns:mc="http://schemas.openxmlformats.org/markup-compatibility/2006">
+    <mc:Choice xmlns:p159="http://schemas.microsoft.com/office/powerpoint/2015/09/main" Requires="p159">
+      <p:transition xmlns:p14="http://schemas.microsoft.com/office/powerpoint/2010/main" spd="slow" p14:dur="2000">
+        <p159:morph option="byObject"/>
+      </p:transition>
+    </mc:Choice>
+    <mc:Fallback>
+      <p:transition spd="slow">
+        <p:fade/>
+      </p:transition>
+    </mc:Fallback>
+  </mc:AlternateContent>
+  <p:timing>
+    <p:tnLst>
+      <p:par>
+        <p:cTn id="1" dur="indefinite" restart="never" nodeType="tmRoot">
+          <p:childTnLst>
+            <p:seq concurrent="1" nextAc="seek">
+              <p:cTn id="2" dur="indefinite" nodeType="mainSeq">
+                <p:childTnLst>
+                  <p:par>
+                    <p:cTn id="3" fill="hold">
+                      <p:stCondLst>
+                        <p:cond delay="indefinite"/>
+                      </p:stCondLst>
+                      <p:childTnLst>
+                        <p:par>
+                          <p:cTn id="4" fill="hold">
+                            <p:stCondLst>
+                              <p:cond delay="0"/>
+                            </p:stCondLst>
+                            <p:childTnLst>
+                              <p:par>
+                                <p:cTn id="5" presetID="22" presetClass="entr" presetSubtype="4" fill="hold" nodeType="clickEffect">
+                                  <p:stCondLst>
+                                    <p:cond delay="0"/>
+                                  </p:stCondLst>
+                                  <p:childTnLst>
+                                    <p:set>
+                                      <p:cBhvr>
+                                        <p:cTn id="6" dur="1" fill="hold">
+                                          <p:stCondLst>
+                                            <p:cond delay="0"/>
+                                          </p:stCondLst>
+                                        </p:cTn>
+                                        <p:tgtEl>
+                                          <p:spTgt spid="12">
+                                            <p:txEl>
+                                              <p:pRg st="0" end="0"/>
+                                            </p:txEl>
+                                          </p:spTgt>
+                                        </p:tgtEl>
+                                        <p:attrNameLst>
+                                          <p:attrName>style.visibility</p:attrName>
+                                        </p:attrNameLst>
+                                      </p:cBhvr>
+                                      <p:to>
+                                        <p:strVal val="visible"/>
+                                      </p:to>
+                                    </p:set>
+                                    <p:animEffect transition="in" filter="wipe(down)">
+                                      <p:cBhvr>
+                                        <p:cTn id="7" dur="500"/>
+                                        <p:tgtEl>
+                                          <p:spTgt spid="12">
+                                            <p:txEl>
+                                              <p:pRg st="0" end="0"/>
+                                            </p:txEl>
+                                          </p:spTgt>
+                                        </p:tgtEl>
+                                      </p:cBhvr>
+                                    </p:animEffect>
+                                  </p:childTnLst>
+                                </p:cTn>
+                              </p:par>
+                            </p:childTnLst>
+                          </p:cTn>
+                        </p:par>
+                      </p:childTnLst>
+                    </p:cTn>
+                  </p:par>
+                  <p:par>
+                    <p:cTn id="8" fill="hold">
+                      <p:stCondLst>
+                        <p:cond delay="indefinite"/>
+                      </p:stCondLst>
+                      <p:childTnLst>
+                        <p:par>
+                          <p:cTn id="9" fill="hold">
+                            <p:stCondLst>
+                              <p:cond delay="0"/>
+                            </p:stCondLst>
+                            <p:childTnLst>
+                              <p:par>
+                                <p:cTn id="10" presetID="22" presetClass="entr" presetSubtype="4" fill="hold" nodeType="clickEffect">
+                                  <p:stCondLst>
+                                    <p:cond delay="0"/>
+                                  </p:stCondLst>
+                                  <p:childTnLst>
+                                    <p:set>
+                                      <p:cBhvr>
+                                        <p:cTn id="11" dur="1" fill="hold">
+                                          <p:stCondLst>
+                                            <p:cond delay="0"/>
+                                          </p:stCondLst>
+                                        </p:cTn>
+                                        <p:tgtEl>
+                                          <p:spTgt spid="12">
+                                            <p:txEl>
+                                              <p:pRg st="1" end="1"/>
+                                            </p:txEl>
+                                          </p:spTgt>
+                                        </p:tgtEl>
+                                        <p:attrNameLst>
+                                          <p:attrName>style.visibility</p:attrName>
+                                        </p:attrNameLst>
+                                      </p:cBhvr>
+                                      <p:to>
+                                        <p:strVal val="visible"/>
+                                      </p:to>
+                                    </p:set>
+                                    <p:animEffect transition="in" filter="wipe(down)">
+                                      <p:cBhvr>
+                                        <p:cTn id="12" dur="500"/>
+                                        <p:tgtEl>
+                                          <p:spTgt spid="12">
+                                            <p:txEl>
+                                              <p:pRg st="1" end="1"/>
+                                            </p:txEl>
+                                          </p:spTgt>
+                                        </p:tgtEl>
+                                      </p:cBhvr>
+                                    </p:animEffect>
+                                  </p:childTnLst>
+                                </p:cTn>
+                              </p:par>
+                            </p:childTnLst>
+                          </p:cTn>
+                        </p:par>
+                      </p:childTnLst>
+                    </p:cTn>
+                  </p:par>
+                  <p:par>
+                    <p:cTn id="13" fill="hold">
+                      <p:stCondLst>
+                        <p:cond delay="indefinite"/>
+                      </p:stCondLst>
+                      <p:childTnLst>
+                        <p:par>
+                          <p:cTn id="14" fill="hold">
+                            <p:stCondLst>
+                              <p:cond delay="0"/>
+                            </p:stCondLst>
+                            <p:childTnLst>
+                              <p:par>
+                                <p:cTn id="15" presetID="22" presetClass="entr" presetSubtype="4" fill="hold" nodeType="clickEffect">
+                                  <p:stCondLst>
+                                    <p:cond delay="0"/>
+                                  </p:stCondLst>
+                                  <p:childTnLst>
+                                    <p:set>
+                                      <p:cBhvr>
+                                        <p:cTn id="16" dur="1" fill="hold">
+                                          <p:stCondLst>
+                                            <p:cond delay="0"/>
+                                          </p:stCondLst>
+                                        </p:cTn>
+                                        <p:tgtEl>
+                                          <p:spTgt spid="12">
+                                            <p:txEl>
+                                              <p:pRg st="2" end="2"/>
+                                            </p:txEl>
+                                          </p:spTgt>
+                                        </p:tgtEl>
+                                        <p:attrNameLst>
+                                          <p:attrName>style.visibility</p:attrName>
+                                        </p:attrNameLst>
+                                      </p:cBhvr>
+                                      <p:to>
+                                        <p:strVal val="visible"/>
+                                      </p:to>
+                                    </p:set>
+                                    <p:animEffect transition="in" filter="wipe(down)">
+                                      <p:cBhvr>
+                                        <p:cTn id="17" dur="500"/>
+                                        <p:tgtEl>
+                                          <p:spTgt spid="12">
+                                            <p:txEl>
+                                              <p:pRg st="2" end="2"/>
+                                            </p:txEl>
+                                          </p:spTgt>
+                                        </p:tgtEl>
+                                      </p:cBhvr>
+                                    </p:animEffect>
+                                  </p:childTnLst>
+                                </p:cTn>
+                              </p:par>
+                            </p:childTnLst>
+                          </p:cTn>
+                        </p:par>
+                      </p:childTnLst>
+                    </p:cTn>
+                  </p:par>
+                </p:childTnLst>
+              </p:cTn>
+              <p:prevCondLst>
+                <p:cond evt="onPrev" delay="0">
+                  <p:tgtEl>
+                    <p:sldTgt/>
+                  </p:tgtEl>
+                </p:cond>
+              </p:prevCondLst>
+              <p:nextCondLst>
+                <p:cond evt="onNext" delay="0">
+                  <p:tgtEl>
+                    <p:sldTgt/>
+                  </p:tgtEl>
+                </p:cond>
+              </p:nextCondLst>
+            </p:seq>
+          </p:childTnLst>
+        </p:cTn>
+      </p:par>
+    </p:tnLst>
+  </p:timing>
 </p:sld>
 </file>
 
@@ -6646,6 +10254,231 @@
   <p:clrMapOvr>
     <a:masterClrMapping/>
   </p:clrMapOvr>
+  <mc:AlternateContent xmlns:mc="http://schemas.openxmlformats.org/markup-compatibility/2006">
+    <mc:Choice xmlns:p159="http://schemas.microsoft.com/office/powerpoint/2015/09/main" Requires="p159">
+      <p:transition xmlns:p14="http://schemas.microsoft.com/office/powerpoint/2010/main" spd="slow" p14:dur="2000">
+        <p159:morph option="byObject"/>
+      </p:transition>
+    </mc:Choice>
+    <mc:Fallback>
+      <p:transition spd="slow">
+        <p:fade/>
+      </p:transition>
+    </mc:Fallback>
+  </mc:AlternateContent>
+  <p:timing>
+    <p:tnLst>
+      <p:par>
+        <p:cTn id="1" dur="indefinite" restart="never" nodeType="tmRoot">
+          <p:childTnLst>
+            <p:seq concurrent="1" nextAc="seek">
+              <p:cTn id="2" dur="indefinite" nodeType="mainSeq">
+                <p:childTnLst>
+                  <p:par>
+                    <p:cTn id="3" fill="hold">
+                      <p:stCondLst>
+                        <p:cond delay="indefinite"/>
+                      </p:stCondLst>
+                      <p:childTnLst>
+                        <p:par>
+                          <p:cTn id="4" fill="hold">
+                            <p:stCondLst>
+                              <p:cond delay="0"/>
+                            </p:stCondLst>
+                            <p:childTnLst>
+                              <p:par>
+                                <p:cTn id="5" presetID="22" presetClass="entr" presetSubtype="4" fill="hold" nodeType="clickEffect">
+                                  <p:stCondLst>
+                                    <p:cond delay="0"/>
+                                  </p:stCondLst>
+                                  <p:childTnLst>
+                                    <p:set>
+                                      <p:cBhvr>
+                                        <p:cTn id="6" dur="1" fill="hold">
+                                          <p:stCondLst>
+                                            <p:cond delay="0"/>
+                                          </p:stCondLst>
+                                        </p:cTn>
+                                        <p:tgtEl>
+                                          <p:spTgt spid="12">
+                                            <p:txEl>
+                                              <p:pRg st="0" end="0"/>
+                                            </p:txEl>
+                                          </p:spTgt>
+                                        </p:tgtEl>
+                                        <p:attrNameLst>
+                                          <p:attrName>style.visibility</p:attrName>
+                                        </p:attrNameLst>
+                                      </p:cBhvr>
+                                      <p:to>
+                                        <p:strVal val="visible"/>
+                                      </p:to>
+                                    </p:set>
+                                    <p:animEffect transition="in" filter="wipe(down)">
+                                      <p:cBhvr>
+                                        <p:cTn id="7" dur="500"/>
+                                        <p:tgtEl>
+                                          <p:spTgt spid="12">
+                                            <p:txEl>
+                                              <p:pRg st="0" end="0"/>
+                                            </p:txEl>
+                                          </p:spTgt>
+                                        </p:tgtEl>
+                                      </p:cBhvr>
+                                    </p:animEffect>
+                                  </p:childTnLst>
+                                </p:cTn>
+                              </p:par>
+                            </p:childTnLst>
+                          </p:cTn>
+                        </p:par>
+                      </p:childTnLst>
+                    </p:cTn>
+                  </p:par>
+                  <p:par>
+                    <p:cTn id="8" fill="hold">
+                      <p:stCondLst>
+                        <p:cond delay="indefinite"/>
+                      </p:stCondLst>
+                      <p:childTnLst>
+                        <p:par>
+                          <p:cTn id="9" fill="hold">
+                            <p:stCondLst>
+                              <p:cond delay="0"/>
+                            </p:stCondLst>
+                            <p:childTnLst>
+                              <p:par>
+                                <p:cTn id="10" presetID="22" presetClass="entr" presetSubtype="4" fill="hold" nodeType="clickEffect">
+                                  <p:stCondLst>
+                                    <p:cond delay="0"/>
+                                  </p:stCondLst>
+                                  <p:childTnLst>
+                                    <p:set>
+                                      <p:cBhvr>
+                                        <p:cTn id="11" dur="1" fill="hold">
+                                          <p:stCondLst>
+                                            <p:cond delay="0"/>
+                                          </p:stCondLst>
+                                        </p:cTn>
+                                        <p:tgtEl>
+                                          <p:spTgt spid="12">
+                                            <p:txEl>
+                                              <p:pRg st="1" end="1"/>
+                                            </p:txEl>
+                                          </p:spTgt>
+                                        </p:tgtEl>
+                                        <p:attrNameLst>
+                                          <p:attrName>style.visibility</p:attrName>
+                                        </p:attrNameLst>
+                                      </p:cBhvr>
+                                      <p:to>
+                                        <p:strVal val="visible"/>
+                                      </p:to>
+                                    </p:set>
+                                    <p:animEffect transition="in" filter="wipe(down)">
+                                      <p:cBhvr>
+                                        <p:cTn id="12" dur="500"/>
+                                        <p:tgtEl>
+                                          <p:spTgt spid="12">
+                                            <p:txEl>
+                                              <p:pRg st="1" end="1"/>
+                                            </p:txEl>
+                                          </p:spTgt>
+                                        </p:tgtEl>
+                                      </p:cBhvr>
+                                    </p:animEffect>
+                                  </p:childTnLst>
+                                </p:cTn>
+                              </p:par>
+                            </p:childTnLst>
+                          </p:cTn>
+                        </p:par>
+                      </p:childTnLst>
+                    </p:cTn>
+                  </p:par>
+                  <p:par>
+                    <p:cTn id="13" fill="hold">
+                      <p:stCondLst>
+                        <p:cond delay="indefinite"/>
+                      </p:stCondLst>
+                      <p:childTnLst>
+                        <p:par>
+                          <p:cTn id="14" fill="hold">
+                            <p:stCondLst>
+                              <p:cond delay="0"/>
+                            </p:stCondLst>
+                            <p:childTnLst>
+                              <p:par>
+                                <p:cTn id="15" presetID="22" presetClass="entr" presetSubtype="4" fill="hold" nodeType="clickEffect">
+                                  <p:stCondLst>
+                                    <p:cond delay="0"/>
+                                  </p:stCondLst>
+                                  <p:childTnLst>
+                                    <p:set>
+                                      <p:cBhvr>
+                                        <p:cTn id="16" dur="1" fill="hold">
+                                          <p:stCondLst>
+                                            <p:cond delay="0"/>
+                                          </p:stCondLst>
+                                        </p:cTn>
+                                        <p:tgtEl>
+                                          <p:spTgt spid="12">
+                                            <p:txEl>
+                                              <p:pRg st="2" end="2"/>
+                                            </p:txEl>
+                                          </p:spTgt>
+                                        </p:tgtEl>
+                                        <p:attrNameLst>
+                                          <p:attrName>style.visibility</p:attrName>
+                                        </p:attrNameLst>
+                                      </p:cBhvr>
+                                      <p:to>
+                                        <p:strVal val="visible"/>
+                                      </p:to>
+                                    </p:set>
+                                    <p:animEffect transition="in" filter="wipe(down)">
+                                      <p:cBhvr>
+                                        <p:cTn id="17" dur="500"/>
+                                        <p:tgtEl>
+                                          <p:spTgt spid="12">
+                                            <p:txEl>
+                                              <p:pRg st="2" end="2"/>
+                                            </p:txEl>
+                                          </p:spTgt>
+                                        </p:tgtEl>
+                                      </p:cBhvr>
+                                    </p:animEffect>
+                                  </p:childTnLst>
+                                </p:cTn>
+                              </p:par>
+                            </p:childTnLst>
+                          </p:cTn>
+                        </p:par>
+                      </p:childTnLst>
+                    </p:cTn>
+                  </p:par>
+                </p:childTnLst>
+              </p:cTn>
+              <p:prevCondLst>
+                <p:cond evt="onPrev" delay="0">
+                  <p:tgtEl>
+                    <p:sldTgt/>
+                  </p:tgtEl>
+                </p:cond>
+              </p:prevCondLst>
+              <p:nextCondLst>
+                <p:cond evt="onNext" delay="0">
+                  <p:tgtEl>
+                    <p:sldTgt/>
+                  </p:tgtEl>
+                </p:cond>
+              </p:nextCondLst>
+            </p:seq>
+          </p:childTnLst>
+        </p:cTn>
+      </p:par>
+    </p:tnLst>
+  </p:timing>
 </p:sld>
 </file>
 
